--- a/CMPE-257 Transformer ML Project Presentation.pptx
+++ b/CMPE-257 Transformer ML Project Presentation.pptx
@@ -29,23 +29,28 @@
     <p:sldId id="274" r:id="rId24"/>
     <p:sldId id="275" r:id="rId25"/>
     <p:sldId id="276" r:id="rId26"/>
+    <p:sldId id="277" r:id="rId27"/>
+    <p:sldId id="278" r:id="rId28"/>
+    <p:sldId id="279" r:id="rId29"/>
+    <p:sldId id="280" r:id="rId30"/>
+    <p:sldId id="281" r:id="rId31"/>
   </p:sldIdLst>
   <p:sldSz cy="5143500" cx="9144000"/>
   <p:notesSz cx="6858000" cy="9144000"/>
   <p:embeddedFontLst>
     <p:embeddedFont>
       <p:font typeface="Roboto"/>
-      <p:regular r:id="rId27"/>
-      <p:bold r:id="rId28"/>
-      <p:italic r:id="rId29"/>
-      <p:boldItalic r:id="rId30"/>
+      <p:regular r:id="rId32"/>
+      <p:bold r:id="rId33"/>
+      <p:italic r:id="rId34"/>
+      <p:boldItalic r:id="rId35"/>
     </p:embeddedFont>
     <p:embeddedFont>
       <p:font typeface="Roboto Mono"/>
-      <p:regular r:id="rId31"/>
-      <p:bold r:id="rId32"/>
-      <p:italic r:id="rId33"/>
-      <p:boldItalic r:id="rId34"/>
+      <p:regular r:id="rId36"/>
+      <p:bold r:id="rId37"/>
+      <p:italic r:id="rId38"/>
+      <p:boldItalic r:id="rId39"/>
     </p:embeddedFont>
   </p:embeddedFontLst>
   <p:defaultTextStyle>
@@ -1731,7 +1736,7 @@
       </p:grpSpPr>
       <p:sp>
         <p:nvSpPr>
-          <p:cNvPr id="181" name="Google Shape;181;g199751ce06a_0_636:notes"/>
+          <p:cNvPr id="181" name="Google Shape;181;g1b388251331_0_1:notes"/>
           <p:cNvSpPr/>
           <p:nvPr>
             <p:ph idx="2" type="sldImg"/>
@@ -1766,7 +1771,7 @@
       </p:sp>
       <p:sp>
         <p:nvSpPr>
-          <p:cNvPr id="182" name="Google Shape;182;g199751ce06a_0_636:notes"/>
+          <p:cNvPr id="182" name="Google Shape;182;g1b388251331_0_1:notes"/>
           <p:cNvSpPr txBox="1"/>
           <p:nvPr>
             <p:ph idx="1" type="body"/>
@@ -1929,7 +1934,7 @@
       </p:grpSpPr>
       <p:sp>
         <p:nvSpPr>
-          <p:cNvPr id="187" name="Google Shape;187;g199751ce06a_0_611:notes"/>
+          <p:cNvPr id="187" name="Google Shape;187;g199751ce06a_0_636:notes"/>
           <p:cNvSpPr/>
           <p:nvPr>
             <p:ph idx="2" type="sldImg"/>
@@ -1964,7 +1969,7 @@
       </p:sp>
       <p:sp>
         <p:nvSpPr>
-          <p:cNvPr id="188" name="Google Shape;188;g199751ce06a_0_611:notes"/>
+          <p:cNvPr id="188" name="Google Shape;188;g199751ce06a_0_636:notes"/>
           <p:cNvSpPr txBox="1"/>
           <p:nvPr>
             <p:ph idx="1" type="body"/>
@@ -2028,7 +2033,7 @@
       </p:grpSpPr>
       <p:sp>
         <p:nvSpPr>
-          <p:cNvPr id="193" name="Google Shape;193;g1a019fc006a_0_7:notes"/>
+          <p:cNvPr id="193" name="Google Shape;193;g199751ce06a_0_611:notes"/>
           <p:cNvSpPr/>
           <p:nvPr>
             <p:ph idx="2" type="sldImg"/>
@@ -2063,7 +2068,502 @@
       </p:sp>
       <p:sp>
         <p:nvSpPr>
-          <p:cNvPr id="194" name="Google Shape;194;g1a019fc006a_0_7:notes"/>
+          <p:cNvPr id="194" name="Google Shape;194;g199751ce06a_0_611:notes"/>
+          <p:cNvSpPr txBox="1"/>
+          <p:nvPr>
+            <p:ph idx="1" type="body"/>
+          </p:nvPr>
+        </p:nvSpPr>
+        <p:spPr>
+          <a:xfrm>
+            <a:off x="685800" y="4343400"/>
+            <a:ext cx="5486400" cy="4114800"/>
+          </a:xfrm>
+          <a:prstGeom prst="rect">
+            <a:avLst/>
+          </a:prstGeom>
+        </p:spPr>
+        <p:txBody>
+          <a:bodyPr anchorCtr="0" anchor="t" bIns="91425" lIns="91425" spcFirstLastPara="1" rIns="91425" wrap="square" tIns="91425">
+            <a:noAutofit/>
+          </a:bodyPr>
+          <a:lstStyle/>
+          <a:p>
+            <a:pPr indent="0" lvl="0" marL="0" rtl="0" algn="l">
+              <a:spcBef>
+                <a:spcPts val="0"/>
+              </a:spcBef>
+              <a:spcAft>
+                <a:spcPts val="0"/>
+              </a:spcAft>
+              <a:buNone/>
+            </a:pPr>
+            <a:r>
+              <a:t/>
+            </a:r>
+            <a:endParaRPr/>
+          </a:p>
+        </p:txBody>
+      </p:sp>
+    </p:spTree>
+  </p:cSld>
+  <p:clrMapOvr>
+    <a:masterClrMapping/>
+  </p:clrMapOvr>
+</p:notes>
+</file>
+
+<file path=ppt/notesSlides/notesSlide22.xml><?xml version="1.0" encoding="utf-8"?>
+<p:notes xmlns:a="http://schemas.openxmlformats.org/drawingml/2006/main" xmlns:r="http://schemas.openxmlformats.org/officeDocument/2006/relationships" xmlns:mc="http://schemas.openxmlformats.org/markup-compatibility/2006" xmlns:mv="urn:schemas-microsoft-com:mac:vml" xmlns:p="http://schemas.openxmlformats.org/presentationml/2006/main" xmlns:c="http://schemas.openxmlformats.org/drawingml/2006/chart" xmlns:dgm="http://schemas.openxmlformats.org/drawingml/2006/diagram" xmlns:o="urn:schemas-microsoft-com:office:office" xmlns:v="urn:schemas-microsoft-com:vml" xmlns:pvml="urn:schemas-microsoft-com:office:powerpoint" xmlns:com="http://schemas.openxmlformats.org/drawingml/2006/compatibility" xmlns:p14="http://schemas.microsoft.com/office/powerpoint/2010/main" xmlns:p15="http://schemas.microsoft.com/office/powerpoint/2012/main" xmlns:ahyp="http://schemas.microsoft.com/office/drawing/2018/hyperlinkcolor" showMasterPhAnim="0" showMasterSp="0">
+  <p:cSld>
+    <p:spTree>
+      <p:nvGrpSpPr>
+        <p:cNvPr id="198" name="Shape 198"/>
+        <p:cNvGrpSpPr/>
+        <p:nvPr/>
+      </p:nvGrpSpPr>
+      <p:grpSpPr>
+        <a:xfrm>
+          <a:off x="0" y="0"/>
+          <a:ext cx="0" cy="0"/>
+          <a:chOff x="0" y="0"/>
+          <a:chExt cx="0" cy="0"/>
+        </a:xfrm>
+      </p:grpSpPr>
+      <p:sp>
+        <p:nvSpPr>
+          <p:cNvPr id="199" name="Google Shape;199;g1b388251331_0_9:notes"/>
+          <p:cNvSpPr/>
+          <p:nvPr>
+            <p:ph idx="2" type="sldImg"/>
+          </p:nvPr>
+        </p:nvSpPr>
+        <p:spPr>
+          <a:xfrm>
+            <a:off x="381300" y="685800"/>
+            <a:ext cx="6096000" cy="3429000"/>
+          </a:xfrm>
+          <a:custGeom>
+            <a:rect b="b" l="l" r="r" t="t"/>
+            <a:pathLst>
+              <a:path extrusionOk="0" h="120000" w="120000">
+                <a:moveTo>
+                  <a:pt x="0" y="0"/>
+                </a:moveTo>
+                <a:lnTo>
+                  <a:pt x="120000" y="0"/>
+                </a:lnTo>
+                <a:lnTo>
+                  <a:pt x="120000" y="120000"/>
+                </a:lnTo>
+                <a:lnTo>
+                  <a:pt x="0" y="120000"/>
+                </a:lnTo>
+                <a:close/>
+              </a:path>
+            </a:pathLst>
+          </a:custGeom>
+        </p:spPr>
+      </p:sp>
+      <p:sp>
+        <p:nvSpPr>
+          <p:cNvPr id="200" name="Google Shape;200;g1b388251331_0_9:notes"/>
+          <p:cNvSpPr txBox="1"/>
+          <p:nvPr>
+            <p:ph idx="1" type="body"/>
+          </p:nvPr>
+        </p:nvSpPr>
+        <p:spPr>
+          <a:xfrm>
+            <a:off x="685800" y="4343400"/>
+            <a:ext cx="5486400" cy="4114800"/>
+          </a:xfrm>
+          <a:prstGeom prst="rect">
+            <a:avLst/>
+          </a:prstGeom>
+        </p:spPr>
+        <p:txBody>
+          <a:bodyPr anchorCtr="0" anchor="t" bIns="91425" lIns="91425" spcFirstLastPara="1" rIns="91425" wrap="square" tIns="91425">
+            <a:noAutofit/>
+          </a:bodyPr>
+          <a:lstStyle/>
+          <a:p>
+            <a:pPr indent="0" lvl="0" marL="0" rtl="0" algn="l">
+              <a:spcBef>
+                <a:spcPts val="0"/>
+              </a:spcBef>
+              <a:spcAft>
+                <a:spcPts val="0"/>
+              </a:spcAft>
+              <a:buNone/>
+            </a:pPr>
+            <a:r>
+              <a:t/>
+            </a:r>
+            <a:endParaRPr/>
+          </a:p>
+        </p:txBody>
+      </p:sp>
+    </p:spTree>
+  </p:cSld>
+  <p:clrMapOvr>
+    <a:masterClrMapping/>
+  </p:clrMapOvr>
+</p:notes>
+</file>
+
+<file path=ppt/notesSlides/notesSlide23.xml><?xml version="1.0" encoding="utf-8"?>
+<p:notes xmlns:a="http://schemas.openxmlformats.org/drawingml/2006/main" xmlns:r="http://schemas.openxmlformats.org/officeDocument/2006/relationships" xmlns:mc="http://schemas.openxmlformats.org/markup-compatibility/2006" xmlns:mv="urn:schemas-microsoft-com:mac:vml" xmlns:p="http://schemas.openxmlformats.org/presentationml/2006/main" xmlns:c="http://schemas.openxmlformats.org/drawingml/2006/chart" xmlns:dgm="http://schemas.openxmlformats.org/drawingml/2006/diagram" xmlns:o="urn:schemas-microsoft-com:office:office" xmlns:v="urn:schemas-microsoft-com:vml" xmlns:pvml="urn:schemas-microsoft-com:office:powerpoint" xmlns:com="http://schemas.openxmlformats.org/drawingml/2006/compatibility" xmlns:p14="http://schemas.microsoft.com/office/powerpoint/2010/main" xmlns:p15="http://schemas.microsoft.com/office/powerpoint/2012/main" xmlns:ahyp="http://schemas.microsoft.com/office/drawing/2018/hyperlinkcolor" showMasterPhAnim="0" showMasterSp="0">
+  <p:cSld>
+    <p:spTree>
+      <p:nvGrpSpPr>
+        <p:cNvPr id="204" name="Shape 204"/>
+        <p:cNvGrpSpPr/>
+        <p:nvPr/>
+      </p:nvGrpSpPr>
+      <p:grpSpPr>
+        <a:xfrm>
+          <a:off x="0" y="0"/>
+          <a:ext cx="0" cy="0"/>
+          <a:chOff x="0" y="0"/>
+          <a:chExt cx="0" cy="0"/>
+        </a:xfrm>
+      </p:grpSpPr>
+      <p:sp>
+        <p:nvSpPr>
+          <p:cNvPr id="205" name="Google Shape;205;g1b388251331_0_17:notes"/>
+          <p:cNvSpPr/>
+          <p:nvPr>
+            <p:ph idx="2" type="sldImg"/>
+          </p:nvPr>
+        </p:nvSpPr>
+        <p:spPr>
+          <a:xfrm>
+            <a:off x="381300" y="685800"/>
+            <a:ext cx="6096000" cy="3429000"/>
+          </a:xfrm>
+          <a:custGeom>
+            <a:rect b="b" l="l" r="r" t="t"/>
+            <a:pathLst>
+              <a:path extrusionOk="0" h="120000" w="120000">
+                <a:moveTo>
+                  <a:pt x="0" y="0"/>
+                </a:moveTo>
+                <a:lnTo>
+                  <a:pt x="120000" y="0"/>
+                </a:lnTo>
+                <a:lnTo>
+                  <a:pt x="120000" y="120000"/>
+                </a:lnTo>
+                <a:lnTo>
+                  <a:pt x="0" y="120000"/>
+                </a:lnTo>
+                <a:close/>
+              </a:path>
+            </a:pathLst>
+          </a:custGeom>
+        </p:spPr>
+      </p:sp>
+      <p:sp>
+        <p:nvSpPr>
+          <p:cNvPr id="206" name="Google Shape;206;g1b388251331_0_17:notes"/>
+          <p:cNvSpPr txBox="1"/>
+          <p:nvPr>
+            <p:ph idx="1" type="body"/>
+          </p:nvPr>
+        </p:nvSpPr>
+        <p:spPr>
+          <a:xfrm>
+            <a:off x="685800" y="4343400"/>
+            <a:ext cx="5486400" cy="4114800"/>
+          </a:xfrm>
+          <a:prstGeom prst="rect">
+            <a:avLst/>
+          </a:prstGeom>
+        </p:spPr>
+        <p:txBody>
+          <a:bodyPr anchorCtr="0" anchor="t" bIns="91425" lIns="91425" spcFirstLastPara="1" rIns="91425" wrap="square" tIns="91425">
+            <a:noAutofit/>
+          </a:bodyPr>
+          <a:lstStyle/>
+          <a:p>
+            <a:pPr indent="0" lvl="0" marL="0" rtl="0" algn="l">
+              <a:spcBef>
+                <a:spcPts val="0"/>
+              </a:spcBef>
+              <a:spcAft>
+                <a:spcPts val="0"/>
+              </a:spcAft>
+              <a:buNone/>
+            </a:pPr>
+            <a:r>
+              <a:t/>
+            </a:r>
+            <a:endParaRPr/>
+          </a:p>
+        </p:txBody>
+      </p:sp>
+    </p:spTree>
+  </p:cSld>
+  <p:clrMapOvr>
+    <a:masterClrMapping/>
+  </p:clrMapOvr>
+</p:notes>
+</file>
+
+<file path=ppt/notesSlides/notesSlide24.xml><?xml version="1.0" encoding="utf-8"?>
+<p:notes xmlns:a="http://schemas.openxmlformats.org/drawingml/2006/main" xmlns:r="http://schemas.openxmlformats.org/officeDocument/2006/relationships" xmlns:mc="http://schemas.openxmlformats.org/markup-compatibility/2006" xmlns:mv="urn:schemas-microsoft-com:mac:vml" xmlns:p="http://schemas.openxmlformats.org/presentationml/2006/main" xmlns:c="http://schemas.openxmlformats.org/drawingml/2006/chart" xmlns:dgm="http://schemas.openxmlformats.org/drawingml/2006/diagram" xmlns:o="urn:schemas-microsoft-com:office:office" xmlns:v="urn:schemas-microsoft-com:vml" xmlns:pvml="urn:schemas-microsoft-com:office:powerpoint" xmlns:com="http://schemas.openxmlformats.org/drawingml/2006/compatibility" xmlns:p14="http://schemas.microsoft.com/office/powerpoint/2010/main" xmlns:p15="http://schemas.microsoft.com/office/powerpoint/2012/main" xmlns:ahyp="http://schemas.microsoft.com/office/drawing/2018/hyperlinkcolor" showMasterPhAnim="0" showMasterSp="0">
+  <p:cSld>
+    <p:spTree>
+      <p:nvGrpSpPr>
+        <p:cNvPr id="210" name="Shape 210"/>
+        <p:cNvGrpSpPr/>
+        <p:nvPr/>
+      </p:nvGrpSpPr>
+      <p:grpSpPr>
+        <a:xfrm>
+          <a:off x="0" y="0"/>
+          <a:ext cx="0" cy="0"/>
+          <a:chOff x="0" y="0"/>
+          <a:chExt cx="0" cy="0"/>
+        </a:xfrm>
+      </p:grpSpPr>
+      <p:sp>
+        <p:nvSpPr>
+          <p:cNvPr id="211" name="Google Shape;211;g1b388251331_0_23:notes"/>
+          <p:cNvSpPr/>
+          <p:nvPr>
+            <p:ph idx="2" type="sldImg"/>
+          </p:nvPr>
+        </p:nvSpPr>
+        <p:spPr>
+          <a:xfrm>
+            <a:off x="381300" y="685800"/>
+            <a:ext cx="6096000" cy="3429000"/>
+          </a:xfrm>
+          <a:custGeom>
+            <a:rect b="b" l="l" r="r" t="t"/>
+            <a:pathLst>
+              <a:path extrusionOk="0" h="120000" w="120000">
+                <a:moveTo>
+                  <a:pt x="0" y="0"/>
+                </a:moveTo>
+                <a:lnTo>
+                  <a:pt x="120000" y="0"/>
+                </a:lnTo>
+                <a:lnTo>
+                  <a:pt x="120000" y="120000"/>
+                </a:lnTo>
+                <a:lnTo>
+                  <a:pt x="0" y="120000"/>
+                </a:lnTo>
+                <a:close/>
+              </a:path>
+            </a:pathLst>
+          </a:custGeom>
+        </p:spPr>
+      </p:sp>
+      <p:sp>
+        <p:nvSpPr>
+          <p:cNvPr id="212" name="Google Shape;212;g1b388251331_0_23:notes"/>
+          <p:cNvSpPr txBox="1"/>
+          <p:nvPr>
+            <p:ph idx="1" type="body"/>
+          </p:nvPr>
+        </p:nvSpPr>
+        <p:spPr>
+          <a:xfrm>
+            <a:off x="685800" y="4343400"/>
+            <a:ext cx="5486400" cy="4114800"/>
+          </a:xfrm>
+          <a:prstGeom prst="rect">
+            <a:avLst/>
+          </a:prstGeom>
+        </p:spPr>
+        <p:txBody>
+          <a:bodyPr anchorCtr="0" anchor="t" bIns="91425" lIns="91425" spcFirstLastPara="1" rIns="91425" wrap="square" tIns="91425">
+            <a:noAutofit/>
+          </a:bodyPr>
+          <a:lstStyle/>
+          <a:p>
+            <a:pPr indent="0" lvl="0" marL="0" rtl="0" algn="l">
+              <a:spcBef>
+                <a:spcPts val="0"/>
+              </a:spcBef>
+              <a:spcAft>
+                <a:spcPts val="0"/>
+              </a:spcAft>
+              <a:buNone/>
+            </a:pPr>
+            <a:r>
+              <a:t/>
+            </a:r>
+            <a:endParaRPr/>
+          </a:p>
+        </p:txBody>
+      </p:sp>
+    </p:spTree>
+  </p:cSld>
+  <p:clrMapOvr>
+    <a:masterClrMapping/>
+  </p:clrMapOvr>
+</p:notes>
+</file>
+
+<file path=ppt/notesSlides/notesSlide25.xml><?xml version="1.0" encoding="utf-8"?>
+<p:notes xmlns:a="http://schemas.openxmlformats.org/drawingml/2006/main" xmlns:r="http://schemas.openxmlformats.org/officeDocument/2006/relationships" xmlns:mc="http://schemas.openxmlformats.org/markup-compatibility/2006" xmlns:mv="urn:schemas-microsoft-com:mac:vml" xmlns:p="http://schemas.openxmlformats.org/presentationml/2006/main" xmlns:c="http://schemas.openxmlformats.org/drawingml/2006/chart" xmlns:dgm="http://schemas.openxmlformats.org/drawingml/2006/diagram" xmlns:o="urn:schemas-microsoft-com:office:office" xmlns:v="urn:schemas-microsoft-com:vml" xmlns:pvml="urn:schemas-microsoft-com:office:powerpoint" xmlns:com="http://schemas.openxmlformats.org/drawingml/2006/compatibility" xmlns:p14="http://schemas.microsoft.com/office/powerpoint/2010/main" xmlns:p15="http://schemas.microsoft.com/office/powerpoint/2012/main" xmlns:ahyp="http://schemas.microsoft.com/office/drawing/2018/hyperlinkcolor" showMasterPhAnim="0" showMasterSp="0">
+  <p:cSld>
+    <p:spTree>
+      <p:nvGrpSpPr>
+        <p:cNvPr id="216" name="Shape 216"/>
+        <p:cNvGrpSpPr/>
+        <p:nvPr/>
+      </p:nvGrpSpPr>
+      <p:grpSpPr>
+        <a:xfrm>
+          <a:off x="0" y="0"/>
+          <a:ext cx="0" cy="0"/>
+          <a:chOff x="0" y="0"/>
+          <a:chExt cx="0" cy="0"/>
+        </a:xfrm>
+      </p:grpSpPr>
+      <p:sp>
+        <p:nvSpPr>
+          <p:cNvPr id="217" name="Google Shape;217;g1b388251331_0_31:notes"/>
+          <p:cNvSpPr/>
+          <p:nvPr>
+            <p:ph idx="2" type="sldImg"/>
+          </p:nvPr>
+        </p:nvSpPr>
+        <p:spPr>
+          <a:xfrm>
+            <a:off x="381300" y="685800"/>
+            <a:ext cx="6096000" cy="3429000"/>
+          </a:xfrm>
+          <a:custGeom>
+            <a:rect b="b" l="l" r="r" t="t"/>
+            <a:pathLst>
+              <a:path extrusionOk="0" h="120000" w="120000">
+                <a:moveTo>
+                  <a:pt x="0" y="0"/>
+                </a:moveTo>
+                <a:lnTo>
+                  <a:pt x="120000" y="0"/>
+                </a:lnTo>
+                <a:lnTo>
+                  <a:pt x="120000" y="120000"/>
+                </a:lnTo>
+                <a:lnTo>
+                  <a:pt x="0" y="120000"/>
+                </a:lnTo>
+                <a:close/>
+              </a:path>
+            </a:pathLst>
+          </a:custGeom>
+        </p:spPr>
+      </p:sp>
+      <p:sp>
+        <p:nvSpPr>
+          <p:cNvPr id="218" name="Google Shape;218;g1b388251331_0_31:notes"/>
+          <p:cNvSpPr txBox="1"/>
+          <p:nvPr>
+            <p:ph idx="1" type="body"/>
+          </p:nvPr>
+        </p:nvSpPr>
+        <p:spPr>
+          <a:xfrm>
+            <a:off x="685800" y="4343400"/>
+            <a:ext cx="5486400" cy="4114800"/>
+          </a:xfrm>
+          <a:prstGeom prst="rect">
+            <a:avLst/>
+          </a:prstGeom>
+        </p:spPr>
+        <p:txBody>
+          <a:bodyPr anchorCtr="0" anchor="t" bIns="91425" lIns="91425" spcFirstLastPara="1" rIns="91425" wrap="square" tIns="91425">
+            <a:noAutofit/>
+          </a:bodyPr>
+          <a:lstStyle/>
+          <a:p>
+            <a:pPr indent="0" lvl="0" marL="0" rtl="0" algn="l">
+              <a:spcBef>
+                <a:spcPts val="0"/>
+              </a:spcBef>
+              <a:spcAft>
+                <a:spcPts val="0"/>
+              </a:spcAft>
+              <a:buNone/>
+            </a:pPr>
+            <a:r>
+              <a:t/>
+            </a:r>
+            <a:endParaRPr/>
+          </a:p>
+        </p:txBody>
+      </p:sp>
+    </p:spTree>
+  </p:cSld>
+  <p:clrMapOvr>
+    <a:masterClrMapping/>
+  </p:clrMapOvr>
+</p:notes>
+</file>
+
+<file path=ppt/notesSlides/notesSlide26.xml><?xml version="1.0" encoding="utf-8"?>
+<p:notes xmlns:a="http://schemas.openxmlformats.org/drawingml/2006/main" xmlns:r="http://schemas.openxmlformats.org/officeDocument/2006/relationships" xmlns:mc="http://schemas.openxmlformats.org/markup-compatibility/2006" xmlns:mv="urn:schemas-microsoft-com:mac:vml" xmlns:p="http://schemas.openxmlformats.org/presentationml/2006/main" xmlns:c="http://schemas.openxmlformats.org/drawingml/2006/chart" xmlns:dgm="http://schemas.openxmlformats.org/drawingml/2006/diagram" xmlns:o="urn:schemas-microsoft-com:office:office" xmlns:v="urn:schemas-microsoft-com:vml" xmlns:pvml="urn:schemas-microsoft-com:office:powerpoint" xmlns:com="http://schemas.openxmlformats.org/drawingml/2006/compatibility" xmlns:p14="http://schemas.microsoft.com/office/powerpoint/2010/main" xmlns:p15="http://schemas.microsoft.com/office/powerpoint/2012/main" xmlns:ahyp="http://schemas.microsoft.com/office/drawing/2018/hyperlinkcolor" showMasterPhAnim="0" showMasterSp="0">
+  <p:cSld>
+    <p:spTree>
+      <p:nvGrpSpPr>
+        <p:cNvPr id="222" name="Shape 222"/>
+        <p:cNvGrpSpPr/>
+        <p:nvPr/>
+      </p:nvGrpSpPr>
+      <p:grpSpPr>
+        <a:xfrm>
+          <a:off x="0" y="0"/>
+          <a:ext cx="0" cy="0"/>
+          <a:chOff x="0" y="0"/>
+          <a:chExt cx="0" cy="0"/>
+        </a:xfrm>
+      </p:grpSpPr>
+      <p:sp>
+        <p:nvSpPr>
+          <p:cNvPr id="223" name="Google Shape;223;g1a019fc006a_0_7:notes"/>
+          <p:cNvSpPr/>
+          <p:nvPr>
+            <p:ph idx="2" type="sldImg"/>
+          </p:nvPr>
+        </p:nvSpPr>
+        <p:spPr>
+          <a:xfrm>
+            <a:off x="381300" y="685800"/>
+            <a:ext cx="6096000" cy="3429000"/>
+          </a:xfrm>
+          <a:custGeom>
+            <a:rect b="b" l="l" r="r" t="t"/>
+            <a:pathLst>
+              <a:path extrusionOk="0" h="120000" w="120000">
+                <a:moveTo>
+                  <a:pt x="0" y="0"/>
+                </a:moveTo>
+                <a:lnTo>
+                  <a:pt x="120000" y="0"/>
+                </a:lnTo>
+                <a:lnTo>
+                  <a:pt x="120000" y="120000"/>
+                </a:lnTo>
+                <a:lnTo>
+                  <a:pt x="0" y="120000"/>
+                </a:lnTo>
+                <a:close/>
+              </a:path>
+            </a:pathLst>
+          </a:custGeom>
+        </p:spPr>
+      </p:sp>
+      <p:sp>
+        <p:nvSpPr>
+          <p:cNvPr id="224" name="Google Shape;224;g1a019fc006a_0_7:notes"/>
           <p:cNvSpPr txBox="1"/>
           <p:nvPr>
             <p:ph idx="1" type="body"/>
@@ -8844,7 +9344,7 @@
                 <a:cs typeface="Roboto"/>
                 <a:sym typeface="Roboto"/>
               </a:rPr>
-              <a:t>Pruthvi Raj Kottigari - 016681522</a:t>
+              <a:t>Pruthvi Raj Kotigari - 016681522</a:t>
             </a:r>
             <a:endParaRPr>
               <a:solidFill>
@@ -11043,8 +11543,8 @@
         </p:nvSpPr>
         <p:spPr>
           <a:xfrm>
-            <a:off x="471900" y="738725"/>
-            <a:ext cx="8222100" cy="767700"/>
+            <a:off x="471900" y="-58975"/>
+            <a:ext cx="8222100" cy="1565400"/>
           </a:xfrm>
           <a:prstGeom prst="rect">
             <a:avLst/>
@@ -11052,7 +11552,7 @@
         </p:spPr>
         <p:txBody>
           <a:bodyPr anchorCtr="0" anchor="b" bIns="91425" lIns="91425" spcFirstLastPara="1" rIns="91425" wrap="square" tIns="91425">
-            <a:normAutofit/>
+            <a:normAutofit fontScale="90000"/>
           </a:bodyPr>
           <a:lstStyle/>
           <a:p>
@@ -11066,8 +11566,23 @@
               <a:buNone/>
             </a:pPr>
             <a:r>
+              <a:t/>
+            </a:r>
+            <a:endParaRPr/>
+          </a:p>
+          <a:p>
+            <a:pPr indent="0" lvl="0" marL="0" rtl="0" algn="l">
+              <a:spcBef>
+                <a:spcPts val="0"/>
+              </a:spcBef>
+              <a:spcAft>
+                <a:spcPts val="0"/>
+              </a:spcAft>
+              <a:buNone/>
+            </a:pPr>
+            <a:r>
               <a:rPr lang="en"/>
-              <a:t>OPTIMIZATION</a:t>
+              <a:t>Ensembling models (XGB, CATBOOST, LGBM, RANDOM FOREST)</a:t>
             </a:r>
             <a:endParaRPr/>
           </a:p>
@@ -11077,24 +11592,22 @@
         <p:nvSpPr>
           <p:cNvPr id="185" name="Google Shape;185;p31"/>
           <p:cNvSpPr txBox="1"/>
-          <p:nvPr/>
+          <p:nvPr>
+            <p:ph idx="1" type="body"/>
+          </p:nvPr>
         </p:nvSpPr>
         <p:spPr>
           <a:xfrm>
-            <a:off x="0" y="1678700"/>
-            <a:ext cx="9144000" cy="3324600"/>
+            <a:off x="471900" y="1919075"/>
+            <a:ext cx="8222100" cy="2710200"/>
           </a:xfrm>
           <a:prstGeom prst="rect">
             <a:avLst/>
           </a:prstGeom>
-          <a:noFill/>
-          <a:ln>
-            <a:noFill/>
-          </a:ln>
         </p:spPr>
         <p:txBody>
           <a:bodyPr anchorCtr="0" anchor="t" bIns="91425" lIns="91425" spcFirstLastPara="1" rIns="91425" wrap="square" tIns="91425">
-            <a:spAutoFit/>
+            <a:normAutofit fontScale="92500" lnSpcReduction="20000"/>
           </a:bodyPr>
           <a:lstStyle/>
           <a:p>
@@ -11108,179 +11621,76 @@
               <a:buNone/>
             </a:pPr>
             <a:r>
-              <a:rPr b="1" lang="en" sz="1700">
-                <a:latin typeface="Roboto"/>
-                <a:ea typeface="Roboto"/>
-                <a:cs typeface="Roboto"/>
-                <a:sym typeface="Roboto"/>
+              <a:rPr lang="en">
+                <a:solidFill>
+                  <a:srgbClr val="000000"/>
+                </a:solidFill>
               </a:rPr>
-              <a:t>Hyperparameter tuning with Keras Tuner</a:t>
-            </a:r>
-            <a:endParaRPr b="1" sz="1700">
-              <a:latin typeface="Roboto"/>
-              <a:ea typeface="Roboto"/>
-              <a:cs typeface="Roboto"/>
-              <a:sym typeface="Roboto"/>
+              <a:t>In this methodology we are going to train four different models which are XGB, Catboost, LGBM and Random Forest. </a:t>
+            </a:r>
+            <a:endParaRPr>
+              <a:solidFill>
+                <a:srgbClr val="000000"/>
+              </a:solidFill>
             </a:endParaRPr>
           </a:p>
           <a:p>
-            <a:pPr indent="-336550" lvl="0" marL="457200" rtl="0" algn="l">
-              <a:spcBef>
-                <a:spcPts val="0"/>
-              </a:spcBef>
-              <a:spcAft>
-                <a:spcPts val="0"/>
-              </a:spcAft>
-              <a:buSzPts val="1700"/>
-              <a:buFont typeface="Roboto"/>
-              <a:buChar char="●"/>
-            </a:pPr>
-            <a:r>
-              <a:rPr lang="en" sz="1700">
-                <a:latin typeface="Roboto"/>
-                <a:ea typeface="Roboto"/>
-                <a:cs typeface="Roboto"/>
-                <a:sym typeface="Roboto"/>
+            <a:pPr indent="0" lvl="0" marL="0" rtl="0" algn="l">
+              <a:spcBef>
+                <a:spcPts val="1200"/>
+              </a:spcBef>
+              <a:spcAft>
+                <a:spcPts val="0"/>
+              </a:spcAft>
+              <a:buNone/>
+            </a:pPr>
+            <a:r>
+              <a:rPr lang="en">
+                <a:solidFill>
+                  <a:srgbClr val="000000"/>
+                </a:solidFill>
               </a:rPr>
-              <a:t>The selection of effective hyperparameters may frequently make or break a machine learning project.</a:t>
-            </a:r>
-            <a:endParaRPr sz="1700">
-              <a:latin typeface="Roboto"/>
-              <a:ea typeface="Roboto"/>
-              <a:cs typeface="Roboto"/>
-              <a:sym typeface="Roboto"/>
+              <a:t>Using the stacking ensemble method, stacked generalization consists in stacking the output of individual estimators and using a classifier to compute the final prediction. Stacking allows us to use the strength of each individual estimator by using their output as input of a final estimator.</a:t>
+            </a:r>
+            <a:endParaRPr>
+              <a:solidFill>
+                <a:srgbClr val="000000"/>
+              </a:solidFill>
             </a:endParaRPr>
           </a:p>
           <a:p>
-            <a:pPr indent="-336550" lvl="0" marL="457200" rtl="0" algn="l">
-              <a:spcBef>
-                <a:spcPts val="0"/>
-              </a:spcBef>
-              <a:spcAft>
-                <a:spcPts val="0"/>
-              </a:spcAft>
-              <a:buSzPts val="1700"/>
-              <a:buFont typeface="Roboto"/>
-              <a:buChar char="●"/>
-            </a:pPr>
-            <a:r>
-              <a:rPr lang="en" sz="1700">
-                <a:latin typeface="Roboto"/>
-                <a:ea typeface="Roboto"/>
-                <a:cs typeface="Roboto"/>
-                <a:sym typeface="Roboto"/>
-              </a:rPr>
-              <a:t>First, we define a model-building function. It takes an </a:t>
-            </a:r>
-            <a:r>
-              <a:rPr lang="en" sz="1700">
-                <a:highlight>
-                  <a:srgbClr val="F5F6F7"/>
-                </a:highlight>
-                <a:latin typeface="Roboto"/>
-                <a:ea typeface="Roboto"/>
-                <a:cs typeface="Roboto"/>
-                <a:sym typeface="Roboto"/>
-              </a:rPr>
-              <a:t>hp</a:t>
-            </a:r>
-            <a:r>
-              <a:rPr lang="en" sz="1700">
-                <a:latin typeface="Roboto"/>
-                <a:ea typeface="Roboto"/>
-                <a:cs typeface="Roboto"/>
-                <a:sym typeface="Roboto"/>
-              </a:rPr>
-              <a:t> argument from which you can sample hyperparameters  such as hp.Int('units', min_value=32)</a:t>
-            </a:r>
-            <a:endParaRPr sz="1700">
-              <a:latin typeface="Roboto"/>
-              <a:ea typeface="Roboto"/>
-              <a:cs typeface="Roboto"/>
-              <a:sym typeface="Roboto"/>
+            <a:pPr indent="0" lvl="0" marL="0" rtl="0" algn="l">
+              <a:spcBef>
+                <a:spcPts val="1200"/>
+              </a:spcBef>
+              <a:spcAft>
+                <a:spcPts val="0"/>
+              </a:spcAft>
+              <a:buNone/>
+            </a:pPr>
+            <a:r>
+              <a:t/>
+            </a:r>
+            <a:endParaRPr>
+              <a:solidFill>
+                <a:srgbClr val="000000"/>
+              </a:solidFill>
             </a:endParaRPr>
           </a:p>
           <a:p>
-            <a:pPr indent="-336550" lvl="0" marL="457200" rtl="0" algn="l">
-              <a:spcBef>
-                <a:spcPts val="0"/>
-              </a:spcBef>
-              <a:spcAft>
-                <a:spcPts val="0"/>
-              </a:spcAft>
-              <a:buSzPts val="1700"/>
-              <a:buFont typeface="Roboto"/>
-              <a:buChar char="●"/>
-            </a:pPr>
-            <a:r>
-              <a:rPr lang="en" sz="1700">
-                <a:latin typeface="Roboto"/>
-                <a:ea typeface="Roboto"/>
-                <a:cs typeface="Roboto"/>
-                <a:sym typeface="Roboto"/>
-              </a:rPr>
-              <a:t>Next, instantiate a tuner. You should specify the model-building function, and the name of the objective to optimize (whether to minimize or maximize is automatically inferred for built-in metrics </a:t>
-            </a:r>
-            <a:endParaRPr sz="1700">
-              <a:latin typeface="Roboto"/>
-              <a:ea typeface="Roboto"/>
-              <a:cs typeface="Roboto"/>
-              <a:sym typeface="Roboto"/>
-            </a:endParaRPr>
-          </a:p>
-          <a:p>
-            <a:pPr indent="-336550" lvl="0" marL="457200" rtl="0" algn="l">
-              <a:spcBef>
-                <a:spcPts val="0"/>
-              </a:spcBef>
-              <a:spcAft>
-                <a:spcPts val="0"/>
-              </a:spcAft>
-              <a:buSzPts val="1700"/>
-              <a:buFont typeface="Roboto"/>
-              <a:buChar char="●"/>
-            </a:pPr>
-            <a:r>
-              <a:rPr lang="en" sz="1700">
-                <a:latin typeface="Roboto"/>
-                <a:ea typeface="Roboto"/>
-                <a:cs typeface="Roboto"/>
-                <a:sym typeface="Roboto"/>
-              </a:rPr>
-              <a:t>HyperResnet and HyperXception are two built-in tunable models that Keras Tuner offers in addition to letting you design your own tunable models. Both of these models do searches across different combinations of the ResNet and Xception architectures.</a:t>
-            </a:r>
-            <a:endParaRPr sz="1700">
-              <a:latin typeface="Roboto"/>
-              <a:ea typeface="Roboto"/>
-              <a:cs typeface="Roboto"/>
-              <a:sym typeface="Roboto"/>
-            </a:endParaRPr>
-          </a:p>
-          <a:p>
             <a:pPr indent="0" lvl="0" marL="0" rtl="0" algn="l">
               <a:spcBef>
-                <a:spcPts val="0"/>
-              </a:spcBef>
-              <a:spcAft>
-                <a:spcPts val="0"/>
+                <a:spcPts val="1200"/>
+              </a:spcBef>
+              <a:spcAft>
+                <a:spcPts val="1200"/>
               </a:spcAft>
               <a:buNone/>
             </a:pPr>
             <a:r>
               <a:t/>
             </a:r>
-            <a:endParaRPr sz="1700">
-              <a:solidFill>
-                <a:srgbClr val="222222"/>
-              </a:solidFill>
-              <a:highlight>
-                <a:srgbClr val="FFFFFF"/>
-              </a:highlight>
-              <a:latin typeface="Roboto"/>
-              <a:ea typeface="Roboto"/>
-              <a:cs typeface="Roboto"/>
-              <a:sym typeface="Roboto"/>
-            </a:endParaRPr>
+            <a:endParaRPr/>
           </a:p>
         </p:txBody>
       </p:sp>
@@ -11480,7 +11890,7 @@
             </a:pPr>
             <a:r>
               <a:rPr lang="en"/>
-              <a:t>CONCLUSION</a:t>
+              <a:t>OPTIMIZATION</a:t>
             </a:r>
             <a:endParaRPr/>
           </a:p>
@@ -11494,8 +11904,8 @@
         </p:nvSpPr>
         <p:spPr>
           <a:xfrm>
-            <a:off x="530850" y="2064500"/>
-            <a:ext cx="8104200" cy="2647500"/>
+            <a:off x="0" y="1678700"/>
+            <a:ext cx="9144000" cy="3324600"/>
           </a:xfrm>
           <a:prstGeom prst="rect">
             <a:avLst/>
@@ -11521,15 +11931,15 @@
               <a:buNone/>
             </a:pPr>
             <a:r>
-              <a:rPr lang="en" sz="1600">
+              <a:rPr b="1" lang="en" sz="1700">
                 <a:latin typeface="Roboto"/>
                 <a:ea typeface="Roboto"/>
                 <a:cs typeface="Roboto"/>
                 <a:sym typeface="Roboto"/>
               </a:rPr>
-              <a:t>Using this project we were able to detect gravitational waves. We tried using multiple models that work well with time series models with frequency data and see which model produced the best result.</a:t>
-            </a:r>
-            <a:endParaRPr sz="1600">
+              <a:t>Hyperparameter tuning with Keras Tuner</a:t>
+            </a:r>
+            <a:endParaRPr b="1" sz="1700">
               <a:latin typeface="Roboto"/>
               <a:ea typeface="Roboto"/>
               <a:cs typeface="Roboto"/>
@@ -11537,43 +11947,76 @@
             </a:endParaRPr>
           </a:p>
           <a:p>
-            <a:pPr indent="0" lvl="0" marL="0" rtl="0" algn="l">
-              <a:spcBef>
-                <a:spcPts val="0"/>
-              </a:spcBef>
-              <a:spcAft>
-                <a:spcPts val="0"/>
-              </a:spcAft>
-              <a:buNone/>
-            </a:pPr>
-            <a:r>
-              <a:rPr lang="en" sz="1600">
+            <a:pPr indent="-336550" lvl="0" marL="457200" rtl="0" algn="l">
+              <a:spcBef>
+                <a:spcPts val="0"/>
+              </a:spcBef>
+              <a:spcAft>
+                <a:spcPts val="0"/>
+              </a:spcAft>
+              <a:buSzPts val="1700"/>
+              <a:buFont typeface="Roboto"/>
+              <a:buChar char="●"/>
+            </a:pPr>
+            <a:r>
+              <a:rPr lang="en" sz="1700">
                 <a:latin typeface="Roboto"/>
                 <a:ea typeface="Roboto"/>
                 <a:cs typeface="Roboto"/>
                 <a:sym typeface="Roboto"/>
               </a:rPr>
-              <a:t>We found that the CNN model to be more accurate and </a:t>
-            </a:r>
-            <a:r>
-              <a:rPr lang="en" sz="1600">
+              <a:t>The selection of effective hyperparameters may frequently make or break a machine learning project.</a:t>
+            </a:r>
+            <a:endParaRPr sz="1700">
+              <a:latin typeface="Roboto"/>
+              <a:ea typeface="Roboto"/>
+              <a:cs typeface="Roboto"/>
+              <a:sym typeface="Roboto"/>
+            </a:endParaRPr>
+          </a:p>
+          <a:p>
+            <a:pPr indent="-336550" lvl="0" marL="457200" rtl="0" algn="l">
+              <a:spcBef>
+                <a:spcPts val="0"/>
+              </a:spcBef>
+              <a:spcAft>
+                <a:spcPts val="0"/>
+              </a:spcAft>
+              <a:buSzPts val="1700"/>
+              <a:buFont typeface="Roboto"/>
+              <a:buChar char="●"/>
+            </a:pPr>
+            <a:r>
+              <a:rPr lang="en" sz="1700">
                 <a:latin typeface="Roboto"/>
                 <a:ea typeface="Roboto"/>
                 <a:cs typeface="Roboto"/>
                 <a:sym typeface="Roboto"/>
               </a:rPr>
-              <a:t>efficient</a:t>
-            </a:r>
-            <a:r>
-              <a:rPr lang="en" sz="1600">
+              <a:t>First, we define a model-building function. It takes an </a:t>
+            </a:r>
+            <a:r>
+              <a:rPr lang="en" sz="1700">
+                <a:highlight>
+                  <a:srgbClr val="F5F6F7"/>
+                </a:highlight>
                 <a:latin typeface="Roboto"/>
                 <a:ea typeface="Roboto"/>
                 <a:cs typeface="Roboto"/>
                 <a:sym typeface="Roboto"/>
               </a:rPr>
-              <a:t> compared to the other models (LGBM,LSTM)  we tested on. </a:t>
-            </a:r>
-            <a:endParaRPr sz="1600">
+              <a:t>hp</a:t>
+            </a:r>
+            <a:r>
+              <a:rPr lang="en" sz="1700">
+                <a:latin typeface="Roboto"/>
+                <a:ea typeface="Roboto"/>
+                <a:cs typeface="Roboto"/>
+                <a:sym typeface="Roboto"/>
+              </a:rPr>
+              <a:t> argument from which you can sample hyperparameters  such as hp.Int('units', min_value=32)</a:t>
+            </a:r>
+            <a:endParaRPr sz="1700">
               <a:latin typeface="Roboto"/>
               <a:ea typeface="Roboto"/>
               <a:cs typeface="Roboto"/>
@@ -11581,25 +12024,27 @@
             </a:endParaRPr>
           </a:p>
           <a:p>
-            <a:pPr indent="0" lvl="0" marL="0" rtl="0" algn="l">
-              <a:spcBef>
-                <a:spcPts val="0"/>
-              </a:spcBef>
-              <a:spcAft>
-                <a:spcPts val="0"/>
-              </a:spcAft>
-              <a:buNone/>
-            </a:pPr>
-            <a:r>
-              <a:rPr lang="en" sz="1600">
+            <a:pPr indent="-336550" lvl="0" marL="457200" rtl="0" algn="l">
+              <a:spcBef>
+                <a:spcPts val="0"/>
+              </a:spcBef>
+              <a:spcAft>
+                <a:spcPts val="0"/>
+              </a:spcAft>
+              <a:buSzPts val="1700"/>
+              <a:buFont typeface="Roboto"/>
+              <a:buChar char="●"/>
+            </a:pPr>
+            <a:r>
+              <a:rPr lang="en" sz="1700">
                 <a:latin typeface="Roboto"/>
                 <a:ea typeface="Roboto"/>
                 <a:cs typeface="Roboto"/>
                 <a:sym typeface="Roboto"/>
               </a:rPr>
-              <a:t>We have optimized our model by performing Hyperparameter optimization.</a:t>
-            </a:r>
-            <a:endParaRPr sz="1600">
+              <a:t>Next, instantiate a tuner. You should specify the model-building function, and the name of the objective to optimize (whether to minimize or maximize is automatically inferred for built-in metrics </a:t>
+            </a:r>
+            <a:endParaRPr sz="1700">
               <a:latin typeface="Roboto"/>
               <a:ea typeface="Roboto"/>
               <a:cs typeface="Roboto"/>
@@ -11607,19 +12052,27 @@
             </a:endParaRPr>
           </a:p>
           <a:p>
-            <a:pPr indent="0" lvl="0" marL="0" rtl="0" algn="l">
-              <a:spcBef>
-                <a:spcPts val="0"/>
-              </a:spcBef>
-              <a:spcAft>
-                <a:spcPts val="0"/>
-              </a:spcAft>
-              <a:buNone/>
-            </a:pPr>
-            <a:r>
-              <a:t/>
-            </a:r>
-            <a:endParaRPr sz="1600">
+            <a:pPr indent="-336550" lvl="0" marL="457200" rtl="0" algn="l">
+              <a:spcBef>
+                <a:spcPts val="0"/>
+              </a:spcBef>
+              <a:spcAft>
+                <a:spcPts val="0"/>
+              </a:spcAft>
+              <a:buSzPts val="1700"/>
+              <a:buFont typeface="Roboto"/>
+              <a:buChar char="●"/>
+            </a:pPr>
+            <a:r>
+              <a:rPr lang="en" sz="1700">
+                <a:latin typeface="Roboto"/>
+                <a:ea typeface="Roboto"/>
+                <a:cs typeface="Roboto"/>
+                <a:sym typeface="Roboto"/>
+              </a:rPr>
+              <a:t>HyperResnet and HyperXception are two built-in tunable models that Keras Tuner offers in addition to letting you design your own tunable models. Both of these models do searches across different combinations of the ResNet and Xception architectures.</a:t>
+            </a:r>
+            <a:endParaRPr sz="1700">
               <a:latin typeface="Roboto"/>
               <a:ea typeface="Roboto"/>
               <a:cs typeface="Roboto"/>
@@ -11637,53 +12090,15 @@
               <a:buNone/>
             </a:pPr>
             <a:r>
-              <a:rPr lang="en" sz="1600">
-                <a:latin typeface="Roboto"/>
-                <a:ea typeface="Roboto"/>
-                <a:cs typeface="Roboto"/>
-                <a:sym typeface="Roboto"/>
-              </a:rPr>
-              <a:t>Working with Huge data with </a:t>
-            </a:r>
-            <a:r>
-              <a:rPr lang="en" sz="1600">
-                <a:latin typeface="Roboto"/>
-                <a:ea typeface="Roboto"/>
-                <a:cs typeface="Roboto"/>
-                <a:sym typeface="Roboto"/>
-              </a:rPr>
-              <a:t>frequencies</a:t>
-            </a:r>
-            <a:r>
-              <a:rPr lang="en" sz="1600">
-                <a:latin typeface="Roboto"/>
-                <a:ea typeface="Roboto"/>
-                <a:cs typeface="Roboto"/>
-                <a:sym typeface="Roboto"/>
-              </a:rPr>
-              <a:t> as the only data was challenging and we had fun working with it together.</a:t>
-            </a:r>
-            <a:endParaRPr sz="1600">
-              <a:latin typeface="Roboto"/>
-              <a:ea typeface="Roboto"/>
-              <a:cs typeface="Roboto"/>
-              <a:sym typeface="Roboto"/>
-            </a:endParaRPr>
-          </a:p>
-          <a:p>
-            <a:pPr indent="0" lvl="0" marL="0" rtl="0" algn="l">
-              <a:spcBef>
-                <a:spcPts val="0"/>
-              </a:spcBef>
-              <a:spcAft>
-                <a:spcPts val="0"/>
-              </a:spcAft>
-              <a:buNone/>
-            </a:pPr>
-            <a:r>
               <a:t/>
             </a:r>
-            <a:endParaRPr sz="1600">
+            <a:endParaRPr sz="1700">
+              <a:solidFill>
+                <a:srgbClr val="222222"/>
+              </a:solidFill>
+              <a:highlight>
+                <a:srgbClr val="FFFFFF"/>
+              </a:highlight>
               <a:latin typeface="Roboto"/>
               <a:ea typeface="Roboto"/>
               <a:cs typeface="Roboto"/>
@@ -11720,6 +12135,1367 @@
       <p:sp>
         <p:nvSpPr>
           <p:cNvPr id="196" name="Google Shape;196;p33"/>
+          <p:cNvSpPr txBox="1"/>
+          <p:nvPr>
+            <p:ph type="title"/>
+          </p:nvPr>
+        </p:nvSpPr>
+        <p:spPr>
+          <a:xfrm>
+            <a:off x="471900" y="738725"/>
+            <a:ext cx="8222100" cy="767700"/>
+          </a:xfrm>
+          <a:prstGeom prst="rect">
+            <a:avLst/>
+          </a:prstGeom>
+        </p:spPr>
+        <p:txBody>
+          <a:bodyPr anchorCtr="0" anchor="b" bIns="91425" lIns="91425" spcFirstLastPara="1" rIns="91425" wrap="square" tIns="91425">
+            <a:normAutofit/>
+          </a:bodyPr>
+          <a:lstStyle/>
+          <a:p>
+            <a:pPr indent="0" lvl="0" marL="0" rtl="0" algn="l">
+              <a:spcBef>
+                <a:spcPts val="0"/>
+              </a:spcBef>
+              <a:spcAft>
+                <a:spcPts val="0"/>
+              </a:spcAft>
+              <a:buNone/>
+            </a:pPr>
+            <a:r>
+              <a:rPr lang="en"/>
+              <a:t>CONCLUSION</a:t>
+            </a:r>
+            <a:endParaRPr/>
+          </a:p>
+        </p:txBody>
+      </p:sp>
+      <p:sp>
+        <p:nvSpPr>
+          <p:cNvPr id="197" name="Google Shape;197;p33"/>
+          <p:cNvSpPr txBox="1"/>
+          <p:nvPr/>
+        </p:nvSpPr>
+        <p:spPr>
+          <a:xfrm>
+            <a:off x="530850" y="2064500"/>
+            <a:ext cx="8104200" cy="2647500"/>
+          </a:xfrm>
+          <a:prstGeom prst="rect">
+            <a:avLst/>
+          </a:prstGeom>
+          <a:noFill/>
+          <a:ln>
+            <a:noFill/>
+          </a:ln>
+        </p:spPr>
+        <p:txBody>
+          <a:bodyPr anchorCtr="0" anchor="t" bIns="91425" lIns="91425" spcFirstLastPara="1" rIns="91425" wrap="square" tIns="91425">
+            <a:spAutoFit/>
+          </a:bodyPr>
+          <a:lstStyle/>
+          <a:p>
+            <a:pPr indent="0" lvl="0" marL="0" rtl="0" algn="l">
+              <a:spcBef>
+                <a:spcPts val="0"/>
+              </a:spcBef>
+              <a:spcAft>
+                <a:spcPts val="0"/>
+              </a:spcAft>
+              <a:buNone/>
+            </a:pPr>
+            <a:r>
+              <a:rPr lang="en" sz="1600">
+                <a:latin typeface="Roboto"/>
+                <a:ea typeface="Roboto"/>
+                <a:cs typeface="Roboto"/>
+                <a:sym typeface="Roboto"/>
+              </a:rPr>
+              <a:t>Using this project we were able to detect gravitational waves. We tried using multiple models that work well with time series models with frequency data and see which model produced the best result.</a:t>
+            </a:r>
+            <a:endParaRPr sz="1600">
+              <a:latin typeface="Roboto"/>
+              <a:ea typeface="Roboto"/>
+              <a:cs typeface="Roboto"/>
+              <a:sym typeface="Roboto"/>
+            </a:endParaRPr>
+          </a:p>
+          <a:p>
+            <a:pPr indent="0" lvl="0" marL="0" rtl="0" algn="l">
+              <a:spcBef>
+                <a:spcPts val="0"/>
+              </a:spcBef>
+              <a:spcAft>
+                <a:spcPts val="0"/>
+              </a:spcAft>
+              <a:buNone/>
+            </a:pPr>
+            <a:r>
+              <a:rPr lang="en" sz="1600">
+                <a:latin typeface="Roboto"/>
+                <a:ea typeface="Roboto"/>
+                <a:cs typeface="Roboto"/>
+                <a:sym typeface="Roboto"/>
+              </a:rPr>
+              <a:t>We found that the CNN model to be more accurate and </a:t>
+            </a:r>
+            <a:r>
+              <a:rPr lang="en" sz="1600">
+                <a:latin typeface="Roboto"/>
+                <a:ea typeface="Roboto"/>
+                <a:cs typeface="Roboto"/>
+                <a:sym typeface="Roboto"/>
+              </a:rPr>
+              <a:t>efficient</a:t>
+            </a:r>
+            <a:r>
+              <a:rPr lang="en" sz="1600">
+                <a:latin typeface="Roboto"/>
+                <a:ea typeface="Roboto"/>
+                <a:cs typeface="Roboto"/>
+                <a:sym typeface="Roboto"/>
+              </a:rPr>
+              <a:t> compared to the other models (LGBM,LSTM, Ensembling)  we tested on. </a:t>
+            </a:r>
+            <a:endParaRPr sz="1600">
+              <a:latin typeface="Roboto"/>
+              <a:ea typeface="Roboto"/>
+              <a:cs typeface="Roboto"/>
+              <a:sym typeface="Roboto"/>
+            </a:endParaRPr>
+          </a:p>
+          <a:p>
+            <a:pPr indent="0" lvl="0" marL="0" rtl="0" algn="l">
+              <a:spcBef>
+                <a:spcPts val="0"/>
+              </a:spcBef>
+              <a:spcAft>
+                <a:spcPts val="0"/>
+              </a:spcAft>
+              <a:buNone/>
+            </a:pPr>
+            <a:r>
+              <a:rPr lang="en" sz="1600">
+                <a:latin typeface="Roboto"/>
+                <a:ea typeface="Roboto"/>
+                <a:cs typeface="Roboto"/>
+                <a:sym typeface="Roboto"/>
+              </a:rPr>
+              <a:t>We have optimized our model by performing Hyperparameter optimization.</a:t>
+            </a:r>
+            <a:endParaRPr sz="1600">
+              <a:latin typeface="Roboto"/>
+              <a:ea typeface="Roboto"/>
+              <a:cs typeface="Roboto"/>
+              <a:sym typeface="Roboto"/>
+            </a:endParaRPr>
+          </a:p>
+          <a:p>
+            <a:pPr indent="0" lvl="0" marL="0" rtl="0" algn="l">
+              <a:spcBef>
+                <a:spcPts val="0"/>
+              </a:spcBef>
+              <a:spcAft>
+                <a:spcPts val="0"/>
+              </a:spcAft>
+              <a:buNone/>
+            </a:pPr>
+            <a:r>
+              <a:t/>
+            </a:r>
+            <a:endParaRPr sz="1600">
+              <a:latin typeface="Roboto"/>
+              <a:ea typeface="Roboto"/>
+              <a:cs typeface="Roboto"/>
+              <a:sym typeface="Roboto"/>
+            </a:endParaRPr>
+          </a:p>
+          <a:p>
+            <a:pPr indent="0" lvl="0" marL="0" rtl="0" algn="l">
+              <a:spcBef>
+                <a:spcPts val="0"/>
+              </a:spcBef>
+              <a:spcAft>
+                <a:spcPts val="0"/>
+              </a:spcAft>
+              <a:buNone/>
+            </a:pPr>
+            <a:r>
+              <a:rPr lang="en" sz="1600">
+                <a:latin typeface="Roboto"/>
+                <a:ea typeface="Roboto"/>
+                <a:cs typeface="Roboto"/>
+                <a:sym typeface="Roboto"/>
+              </a:rPr>
+              <a:t>Working with Huge data with </a:t>
+            </a:r>
+            <a:r>
+              <a:rPr lang="en" sz="1600">
+                <a:latin typeface="Roboto"/>
+                <a:ea typeface="Roboto"/>
+                <a:cs typeface="Roboto"/>
+                <a:sym typeface="Roboto"/>
+              </a:rPr>
+              <a:t>frequencies</a:t>
+            </a:r>
+            <a:r>
+              <a:rPr lang="en" sz="1600">
+                <a:latin typeface="Roboto"/>
+                <a:ea typeface="Roboto"/>
+                <a:cs typeface="Roboto"/>
+                <a:sym typeface="Roboto"/>
+              </a:rPr>
+              <a:t> as the only data was challenging and we had fun working with it together.</a:t>
+            </a:r>
+            <a:endParaRPr sz="1600">
+              <a:latin typeface="Roboto"/>
+              <a:ea typeface="Roboto"/>
+              <a:cs typeface="Roboto"/>
+              <a:sym typeface="Roboto"/>
+            </a:endParaRPr>
+          </a:p>
+          <a:p>
+            <a:pPr indent="0" lvl="0" marL="0" rtl="0" algn="l">
+              <a:spcBef>
+                <a:spcPts val="0"/>
+              </a:spcBef>
+              <a:spcAft>
+                <a:spcPts val="0"/>
+              </a:spcAft>
+              <a:buNone/>
+            </a:pPr>
+            <a:r>
+              <a:t/>
+            </a:r>
+            <a:endParaRPr sz="1600">
+              <a:latin typeface="Roboto"/>
+              <a:ea typeface="Roboto"/>
+              <a:cs typeface="Roboto"/>
+              <a:sym typeface="Roboto"/>
+            </a:endParaRPr>
+          </a:p>
+        </p:txBody>
+      </p:sp>
+    </p:spTree>
+  </p:cSld>
+  <p:clrMapOvr>
+    <a:masterClrMapping/>
+  </p:clrMapOvr>
+</p:sld>
+</file>
+
+<file path=ppt/slides/slide22.xml><?xml version="1.0" encoding="utf-8"?>
+<p:sld xmlns:a="http://schemas.openxmlformats.org/drawingml/2006/main" xmlns:r="http://schemas.openxmlformats.org/officeDocument/2006/relationships" xmlns:mc="http://schemas.openxmlformats.org/markup-compatibility/2006" xmlns:mv="urn:schemas-microsoft-com:mac:vml" xmlns:p="http://schemas.openxmlformats.org/presentationml/2006/main" xmlns:c="http://schemas.openxmlformats.org/drawingml/2006/chart" xmlns:dgm="http://schemas.openxmlformats.org/drawingml/2006/diagram" xmlns:o="urn:schemas-microsoft-com:office:office" xmlns:v="urn:schemas-microsoft-com:vml" xmlns:pvml="urn:schemas-microsoft-com:office:powerpoint" xmlns:com="http://schemas.openxmlformats.org/drawingml/2006/compatibility" xmlns:p14="http://schemas.microsoft.com/office/powerpoint/2010/main" xmlns:p15="http://schemas.microsoft.com/office/powerpoint/2012/main" xmlns:ahyp="http://schemas.microsoft.com/office/drawing/2018/hyperlinkcolor">
+  <p:cSld>
+    <p:spTree>
+      <p:nvGrpSpPr>
+        <p:cNvPr id="201" name="Shape 201"/>
+        <p:cNvGrpSpPr/>
+        <p:nvPr/>
+      </p:nvGrpSpPr>
+      <p:grpSpPr>
+        <a:xfrm>
+          <a:off x="0" y="0"/>
+          <a:ext cx="0" cy="0"/>
+          <a:chOff x="0" y="0"/>
+          <a:chExt cx="0" cy="0"/>
+        </a:xfrm>
+      </p:grpSpPr>
+      <p:sp>
+        <p:nvSpPr>
+          <p:cNvPr id="202" name="Google Shape;202;p34"/>
+          <p:cNvSpPr txBox="1"/>
+          <p:nvPr>
+            <p:ph type="title"/>
+          </p:nvPr>
+        </p:nvSpPr>
+        <p:spPr>
+          <a:xfrm>
+            <a:off x="471900" y="738725"/>
+            <a:ext cx="8222100" cy="767700"/>
+          </a:xfrm>
+          <a:prstGeom prst="rect">
+            <a:avLst/>
+          </a:prstGeom>
+        </p:spPr>
+        <p:txBody>
+          <a:bodyPr anchorCtr="0" anchor="b" bIns="91425" lIns="91425" spcFirstLastPara="1" rIns="91425" wrap="square" tIns="91425">
+            <a:normAutofit/>
+          </a:bodyPr>
+          <a:lstStyle/>
+          <a:p>
+            <a:pPr indent="0" lvl="0" marL="0" rtl="0" algn="l">
+              <a:spcBef>
+                <a:spcPts val="0"/>
+              </a:spcBef>
+              <a:spcAft>
+                <a:spcPts val="0"/>
+              </a:spcAft>
+              <a:buNone/>
+            </a:pPr>
+            <a:r>
+              <a:rPr lang="en"/>
+              <a:t>RESULTS AND DISCUSSION</a:t>
+            </a:r>
+            <a:endParaRPr/>
+          </a:p>
+        </p:txBody>
+      </p:sp>
+      <p:sp>
+        <p:nvSpPr>
+          <p:cNvPr id="203" name="Google Shape;203;p34"/>
+          <p:cNvSpPr txBox="1"/>
+          <p:nvPr>
+            <p:ph idx="1" type="body"/>
+          </p:nvPr>
+        </p:nvSpPr>
+        <p:spPr>
+          <a:xfrm>
+            <a:off x="471900" y="1919075"/>
+            <a:ext cx="8222100" cy="2710200"/>
+          </a:xfrm>
+          <a:prstGeom prst="rect">
+            <a:avLst/>
+          </a:prstGeom>
+        </p:spPr>
+        <p:txBody>
+          <a:bodyPr anchorCtr="0" anchor="t" bIns="91425" lIns="91425" spcFirstLastPara="1" rIns="91425" wrap="square" tIns="91425">
+            <a:normAutofit lnSpcReduction="10000"/>
+          </a:bodyPr>
+          <a:lstStyle/>
+          <a:p>
+            <a:pPr indent="0" lvl="0" marL="0" rtl="0" algn="l">
+              <a:spcBef>
+                <a:spcPts val="0"/>
+              </a:spcBef>
+              <a:spcAft>
+                <a:spcPts val="0"/>
+              </a:spcAft>
+              <a:buNone/>
+            </a:pPr>
+            <a:r>
+              <a:rPr lang="en">
+                <a:solidFill>
+                  <a:srgbClr val="000000"/>
+                </a:solidFill>
+              </a:rPr>
+              <a:t>After looking at the data visualization we conclude that the data comes under time series SFT’s data.</a:t>
+            </a:r>
+            <a:endParaRPr>
+              <a:solidFill>
+                <a:srgbClr val="000000"/>
+              </a:solidFill>
+            </a:endParaRPr>
+          </a:p>
+          <a:p>
+            <a:pPr indent="0" lvl="0" marL="0" rtl="0" algn="l">
+              <a:spcBef>
+                <a:spcPts val="1200"/>
+              </a:spcBef>
+              <a:spcAft>
+                <a:spcPts val="0"/>
+              </a:spcAft>
+              <a:buNone/>
+            </a:pPr>
+            <a:r>
+              <a:rPr lang="en">
+                <a:solidFill>
+                  <a:srgbClr val="000000"/>
+                </a:solidFill>
+              </a:rPr>
+              <a:t>After considering all the models we come to the conclusion that the CNN model has the best accuracy and efficiency. So, we conclude to use the CNN model for this project.</a:t>
+            </a:r>
+            <a:endParaRPr>
+              <a:solidFill>
+                <a:srgbClr val="000000"/>
+              </a:solidFill>
+            </a:endParaRPr>
+          </a:p>
+          <a:p>
+            <a:pPr indent="0" lvl="0" marL="0" rtl="0" algn="l">
+              <a:spcBef>
+                <a:spcPts val="1200"/>
+              </a:spcBef>
+              <a:spcAft>
+                <a:spcPts val="0"/>
+              </a:spcAft>
+              <a:buNone/>
+            </a:pPr>
+            <a:r>
+              <a:t/>
+            </a:r>
+            <a:endParaRPr>
+              <a:solidFill>
+                <a:srgbClr val="000000"/>
+              </a:solidFill>
+            </a:endParaRPr>
+          </a:p>
+          <a:p>
+            <a:pPr indent="0" lvl="0" marL="0" rtl="0" algn="l">
+              <a:spcBef>
+                <a:spcPts val="1200"/>
+              </a:spcBef>
+              <a:spcAft>
+                <a:spcPts val="1200"/>
+              </a:spcAft>
+              <a:buNone/>
+            </a:pPr>
+            <a:r>
+              <a:t/>
+            </a:r>
+            <a:endParaRPr>
+              <a:solidFill>
+                <a:srgbClr val="000000"/>
+              </a:solidFill>
+            </a:endParaRPr>
+          </a:p>
+        </p:txBody>
+      </p:sp>
+    </p:spTree>
+  </p:cSld>
+  <p:clrMapOvr>
+    <a:masterClrMapping/>
+  </p:clrMapOvr>
+</p:sld>
+</file>
+
+<file path=ppt/slides/slide23.xml><?xml version="1.0" encoding="utf-8"?>
+<p:sld xmlns:a="http://schemas.openxmlformats.org/drawingml/2006/main" xmlns:r="http://schemas.openxmlformats.org/officeDocument/2006/relationships" xmlns:mc="http://schemas.openxmlformats.org/markup-compatibility/2006" xmlns:mv="urn:schemas-microsoft-com:mac:vml" xmlns:p="http://schemas.openxmlformats.org/presentationml/2006/main" xmlns:c="http://schemas.openxmlformats.org/drawingml/2006/chart" xmlns:dgm="http://schemas.openxmlformats.org/drawingml/2006/diagram" xmlns:o="urn:schemas-microsoft-com:office:office" xmlns:v="urn:schemas-microsoft-com:vml" xmlns:pvml="urn:schemas-microsoft-com:office:powerpoint" xmlns:com="http://schemas.openxmlformats.org/drawingml/2006/compatibility" xmlns:p14="http://schemas.microsoft.com/office/powerpoint/2010/main" xmlns:p15="http://schemas.microsoft.com/office/powerpoint/2012/main" xmlns:ahyp="http://schemas.microsoft.com/office/drawing/2018/hyperlinkcolor">
+  <p:cSld>
+    <p:spTree>
+      <p:nvGrpSpPr>
+        <p:cNvPr id="207" name="Shape 207"/>
+        <p:cNvGrpSpPr/>
+        <p:nvPr/>
+      </p:nvGrpSpPr>
+      <p:grpSpPr>
+        <a:xfrm>
+          <a:off x="0" y="0"/>
+          <a:ext cx="0" cy="0"/>
+          <a:chOff x="0" y="0"/>
+          <a:chExt cx="0" cy="0"/>
+        </a:xfrm>
+      </p:grpSpPr>
+      <p:sp>
+        <p:nvSpPr>
+          <p:cNvPr id="208" name="Google Shape;208;p35"/>
+          <p:cNvSpPr txBox="1"/>
+          <p:nvPr>
+            <p:ph type="title"/>
+          </p:nvPr>
+        </p:nvSpPr>
+        <p:spPr>
+          <a:xfrm>
+            <a:off x="471900" y="738725"/>
+            <a:ext cx="8222100" cy="767700"/>
+          </a:xfrm>
+          <a:prstGeom prst="rect">
+            <a:avLst/>
+          </a:prstGeom>
+        </p:spPr>
+        <p:txBody>
+          <a:bodyPr anchorCtr="0" anchor="b" bIns="91425" lIns="91425" spcFirstLastPara="1" rIns="91425" wrap="square" tIns="91425">
+            <a:normAutofit/>
+          </a:bodyPr>
+          <a:lstStyle/>
+          <a:p>
+            <a:pPr indent="0" lvl="0" marL="0" rtl="0" algn="l">
+              <a:spcBef>
+                <a:spcPts val="0"/>
+              </a:spcBef>
+              <a:spcAft>
+                <a:spcPts val="0"/>
+              </a:spcAft>
+              <a:buNone/>
+            </a:pPr>
+            <a:r>
+              <a:rPr lang="en"/>
+              <a:t>LESSONS LEARNT</a:t>
+            </a:r>
+            <a:endParaRPr/>
+          </a:p>
+        </p:txBody>
+      </p:sp>
+      <p:sp>
+        <p:nvSpPr>
+          <p:cNvPr id="209" name="Google Shape;209;p35"/>
+          <p:cNvSpPr txBox="1"/>
+          <p:nvPr>
+            <p:ph idx="1" type="body"/>
+          </p:nvPr>
+        </p:nvSpPr>
+        <p:spPr>
+          <a:xfrm>
+            <a:off x="471900" y="1919075"/>
+            <a:ext cx="8222100" cy="2710200"/>
+          </a:xfrm>
+          <a:prstGeom prst="rect">
+            <a:avLst/>
+          </a:prstGeom>
+        </p:spPr>
+        <p:txBody>
+          <a:bodyPr anchorCtr="0" anchor="t" bIns="91425" lIns="91425" spcFirstLastPara="1" rIns="91425" wrap="square" tIns="91425">
+            <a:normAutofit fontScale="92500" lnSpcReduction="20000"/>
+          </a:bodyPr>
+          <a:lstStyle/>
+          <a:p>
+            <a:pPr indent="0" lvl="0" marL="0" rtl="0" algn="l">
+              <a:spcBef>
+                <a:spcPts val="0"/>
+              </a:spcBef>
+              <a:spcAft>
+                <a:spcPts val="0"/>
+              </a:spcAft>
+              <a:buNone/>
+            </a:pPr>
+            <a:r>
+              <a:rPr lang="en">
+                <a:solidFill>
+                  <a:srgbClr val="222222"/>
+                </a:solidFill>
+              </a:rPr>
+              <a:t>We learnt how to work with a team in doing a project, maintaining the data in a git repo and working with the same data with different processing and model training methodologies.</a:t>
+            </a:r>
+            <a:endParaRPr>
+              <a:solidFill>
+                <a:srgbClr val="222222"/>
+              </a:solidFill>
+            </a:endParaRPr>
+          </a:p>
+          <a:p>
+            <a:pPr indent="0" lvl="0" marL="0" rtl="0" algn="l">
+              <a:spcBef>
+                <a:spcPts val="1200"/>
+              </a:spcBef>
+              <a:spcAft>
+                <a:spcPts val="0"/>
+              </a:spcAft>
+              <a:buNone/>
+            </a:pPr>
+            <a:r>
+              <a:rPr lang="en">
+                <a:solidFill>
+                  <a:srgbClr val="222222"/>
+                </a:solidFill>
+              </a:rPr>
+              <a:t>Working with huge data and HDF5 files of hundreds of GB size was also challenging and an important lesson that we learnt in this research paper which would be useful for all of us in the future.</a:t>
+            </a:r>
+            <a:endParaRPr>
+              <a:solidFill>
+                <a:srgbClr val="222222"/>
+              </a:solidFill>
+            </a:endParaRPr>
+          </a:p>
+          <a:p>
+            <a:pPr indent="0" lvl="0" marL="0" rtl="0" algn="l">
+              <a:spcBef>
+                <a:spcPts val="1200"/>
+              </a:spcBef>
+              <a:spcAft>
+                <a:spcPts val="1200"/>
+              </a:spcAft>
+              <a:buNone/>
+            </a:pPr>
+            <a:r>
+              <a:rPr lang="en">
+                <a:solidFill>
+                  <a:srgbClr val="222222"/>
+                </a:solidFill>
+              </a:rPr>
+              <a:t>We discovered how to train machine learning models using STF and Time series data whose values are in the form of frequencies. We gained knowledge of gravitational waves, their benefits to us, and how to find them.</a:t>
+            </a:r>
+            <a:endParaRPr>
+              <a:solidFill>
+                <a:srgbClr val="222222"/>
+              </a:solidFill>
+            </a:endParaRPr>
+          </a:p>
+        </p:txBody>
+      </p:sp>
+    </p:spTree>
+  </p:cSld>
+  <p:clrMapOvr>
+    <a:masterClrMapping/>
+  </p:clrMapOvr>
+</p:sld>
+</file>
+
+<file path=ppt/slides/slide24.xml><?xml version="1.0" encoding="utf-8"?>
+<p:sld xmlns:a="http://schemas.openxmlformats.org/drawingml/2006/main" xmlns:r="http://schemas.openxmlformats.org/officeDocument/2006/relationships" xmlns:mc="http://schemas.openxmlformats.org/markup-compatibility/2006" xmlns:mv="urn:schemas-microsoft-com:mac:vml" xmlns:p="http://schemas.openxmlformats.org/presentationml/2006/main" xmlns:c="http://schemas.openxmlformats.org/drawingml/2006/chart" xmlns:dgm="http://schemas.openxmlformats.org/drawingml/2006/diagram" xmlns:o="urn:schemas-microsoft-com:office:office" xmlns:v="urn:schemas-microsoft-com:vml" xmlns:pvml="urn:schemas-microsoft-com:office:powerpoint" xmlns:com="http://schemas.openxmlformats.org/drawingml/2006/compatibility" xmlns:p14="http://schemas.microsoft.com/office/powerpoint/2010/main" xmlns:p15="http://schemas.microsoft.com/office/powerpoint/2012/main" xmlns:ahyp="http://schemas.microsoft.com/office/drawing/2018/hyperlinkcolor">
+  <p:cSld>
+    <p:spTree>
+      <p:nvGrpSpPr>
+        <p:cNvPr id="213" name="Shape 213"/>
+        <p:cNvGrpSpPr/>
+        <p:nvPr/>
+      </p:nvGrpSpPr>
+      <p:grpSpPr>
+        <a:xfrm>
+          <a:off x="0" y="0"/>
+          <a:ext cx="0" cy="0"/>
+          <a:chOff x="0" y="0"/>
+          <a:chExt cx="0" cy="0"/>
+        </a:xfrm>
+      </p:grpSpPr>
+      <p:sp>
+        <p:nvSpPr>
+          <p:cNvPr id="214" name="Google Shape;214;p36"/>
+          <p:cNvSpPr txBox="1"/>
+          <p:nvPr>
+            <p:ph type="title"/>
+          </p:nvPr>
+        </p:nvSpPr>
+        <p:spPr>
+          <a:xfrm>
+            <a:off x="471900" y="738725"/>
+            <a:ext cx="8222100" cy="767700"/>
+          </a:xfrm>
+          <a:prstGeom prst="rect">
+            <a:avLst/>
+          </a:prstGeom>
+        </p:spPr>
+        <p:txBody>
+          <a:bodyPr anchorCtr="0" anchor="b" bIns="91425" lIns="91425" spcFirstLastPara="1" rIns="91425" wrap="square" tIns="91425">
+            <a:normAutofit fontScale="90000"/>
+          </a:bodyPr>
+          <a:lstStyle/>
+          <a:p>
+            <a:pPr indent="0" lvl="0" marL="0" rtl="0" algn="l">
+              <a:spcBef>
+                <a:spcPts val="0"/>
+              </a:spcBef>
+              <a:spcAft>
+                <a:spcPts val="0"/>
+              </a:spcAft>
+              <a:buNone/>
+            </a:pPr>
+            <a:r>
+              <a:rPr lang="en"/>
+              <a:t>FUTURE RESEARCH WORKS AND LIMITATIONS</a:t>
+            </a:r>
+            <a:endParaRPr/>
+          </a:p>
+        </p:txBody>
+      </p:sp>
+      <p:sp>
+        <p:nvSpPr>
+          <p:cNvPr id="215" name="Google Shape;215;p36"/>
+          <p:cNvSpPr txBox="1"/>
+          <p:nvPr>
+            <p:ph idx="1" type="body"/>
+          </p:nvPr>
+        </p:nvSpPr>
+        <p:spPr>
+          <a:xfrm>
+            <a:off x="471900" y="1919075"/>
+            <a:ext cx="8222100" cy="2710200"/>
+          </a:xfrm>
+          <a:prstGeom prst="rect">
+            <a:avLst/>
+          </a:prstGeom>
+        </p:spPr>
+        <p:txBody>
+          <a:bodyPr anchorCtr="0" anchor="t" bIns="91425" lIns="91425" spcFirstLastPara="1" rIns="91425" wrap="square" tIns="91425">
+            <a:normAutofit fontScale="77500" lnSpcReduction="10000"/>
+          </a:bodyPr>
+          <a:lstStyle/>
+          <a:p>
+            <a:pPr indent="0" lvl="0" marL="0" rtl="0" algn="l">
+              <a:spcBef>
+                <a:spcPts val="0"/>
+              </a:spcBef>
+              <a:spcAft>
+                <a:spcPts val="0"/>
+              </a:spcAft>
+              <a:buNone/>
+            </a:pPr>
+            <a:r>
+              <a:rPr lang="en">
+                <a:solidFill>
+                  <a:srgbClr val="000000"/>
+                </a:solidFill>
+              </a:rPr>
+              <a:t>Main limitations of this project were the huge unbalanced data and the fact that there were more data points in the testing set that we needed to predict for than the training set.</a:t>
+            </a:r>
+            <a:endParaRPr>
+              <a:solidFill>
+                <a:srgbClr val="000000"/>
+              </a:solidFill>
+            </a:endParaRPr>
+          </a:p>
+          <a:p>
+            <a:pPr indent="0" lvl="0" marL="0" rtl="0" algn="l">
+              <a:spcBef>
+                <a:spcPts val="1200"/>
+              </a:spcBef>
+              <a:spcAft>
+                <a:spcPts val="0"/>
+              </a:spcAft>
+              <a:buNone/>
+            </a:pPr>
+            <a:r>
+              <a:rPr lang="en">
+                <a:solidFill>
+                  <a:srgbClr val="000000"/>
+                </a:solidFill>
+              </a:rPr>
+              <a:t>The data is also huge which limited us to work on the models at basic settings with limited epochs.</a:t>
+            </a:r>
+            <a:endParaRPr>
+              <a:solidFill>
+                <a:srgbClr val="000000"/>
+              </a:solidFill>
+            </a:endParaRPr>
+          </a:p>
+          <a:p>
+            <a:pPr indent="0" lvl="0" marL="0" rtl="0" algn="l">
+              <a:spcBef>
+                <a:spcPts val="1200"/>
+              </a:spcBef>
+              <a:spcAft>
+                <a:spcPts val="0"/>
+              </a:spcAft>
+              <a:buNone/>
+            </a:pPr>
+            <a:r>
+              <a:rPr lang="en">
+                <a:solidFill>
+                  <a:srgbClr val="000000"/>
+                </a:solidFill>
+              </a:rPr>
+              <a:t>In future as the next steps we would like to concentrate on the CNN model changing the layers in the neural network and focusing on processing the images like gray scaling the images or changing the saturation and contrast values so that the rgb values which show the waves are more enhanced and easily differentiated.</a:t>
+            </a:r>
+            <a:endParaRPr>
+              <a:solidFill>
+                <a:srgbClr val="000000"/>
+              </a:solidFill>
+            </a:endParaRPr>
+          </a:p>
+          <a:p>
+            <a:pPr indent="0" lvl="0" marL="0" rtl="0" algn="l">
+              <a:spcBef>
+                <a:spcPts val="1200"/>
+              </a:spcBef>
+              <a:spcAft>
+                <a:spcPts val="1200"/>
+              </a:spcAft>
+              <a:buNone/>
+            </a:pPr>
+            <a:r>
+              <a:rPr lang="en">
+                <a:solidFill>
+                  <a:srgbClr val="000000"/>
+                </a:solidFill>
+              </a:rPr>
+              <a:t>We are considering ensembling multiple models also as another approach where we will be using models which are more compatible to the G2net dataset.</a:t>
+            </a:r>
+            <a:endParaRPr>
+              <a:solidFill>
+                <a:srgbClr val="000000"/>
+              </a:solidFill>
+            </a:endParaRPr>
+          </a:p>
+        </p:txBody>
+      </p:sp>
+    </p:spTree>
+  </p:cSld>
+  <p:clrMapOvr>
+    <a:masterClrMapping/>
+  </p:clrMapOvr>
+</p:sld>
+</file>
+
+<file path=ppt/slides/slide25.xml><?xml version="1.0" encoding="utf-8"?>
+<p:sld xmlns:a="http://schemas.openxmlformats.org/drawingml/2006/main" xmlns:r="http://schemas.openxmlformats.org/officeDocument/2006/relationships" xmlns:mc="http://schemas.openxmlformats.org/markup-compatibility/2006" xmlns:mv="urn:schemas-microsoft-com:mac:vml" xmlns:p="http://schemas.openxmlformats.org/presentationml/2006/main" xmlns:c="http://schemas.openxmlformats.org/drawingml/2006/chart" xmlns:dgm="http://schemas.openxmlformats.org/drawingml/2006/diagram" xmlns:o="urn:schemas-microsoft-com:office:office" xmlns:v="urn:schemas-microsoft-com:vml" xmlns:pvml="urn:schemas-microsoft-com:office:powerpoint" xmlns:com="http://schemas.openxmlformats.org/drawingml/2006/compatibility" xmlns:p14="http://schemas.microsoft.com/office/powerpoint/2010/main" xmlns:p15="http://schemas.microsoft.com/office/powerpoint/2012/main" xmlns:ahyp="http://schemas.microsoft.com/office/drawing/2018/hyperlinkcolor">
+  <p:cSld>
+    <p:spTree>
+      <p:nvGrpSpPr>
+        <p:cNvPr id="219" name="Shape 219"/>
+        <p:cNvGrpSpPr/>
+        <p:nvPr/>
+      </p:nvGrpSpPr>
+      <p:grpSpPr>
+        <a:xfrm>
+          <a:off x="0" y="0"/>
+          <a:ext cx="0" cy="0"/>
+          <a:chOff x="0" y="0"/>
+          <a:chExt cx="0" cy="0"/>
+        </a:xfrm>
+      </p:grpSpPr>
+      <p:sp>
+        <p:nvSpPr>
+          <p:cNvPr id="220" name="Google Shape;220;p37"/>
+          <p:cNvSpPr txBox="1"/>
+          <p:nvPr>
+            <p:ph type="title"/>
+          </p:nvPr>
+        </p:nvSpPr>
+        <p:spPr>
+          <a:xfrm>
+            <a:off x="471900" y="738725"/>
+            <a:ext cx="8222100" cy="767700"/>
+          </a:xfrm>
+          <a:prstGeom prst="rect">
+            <a:avLst/>
+          </a:prstGeom>
+        </p:spPr>
+        <p:txBody>
+          <a:bodyPr anchorCtr="0" anchor="b" bIns="91425" lIns="91425" spcFirstLastPara="1" rIns="91425" wrap="square" tIns="91425">
+            <a:normAutofit/>
+          </a:bodyPr>
+          <a:lstStyle/>
+          <a:p>
+            <a:pPr indent="0" lvl="0" marL="0" rtl="0" algn="l">
+              <a:spcBef>
+                <a:spcPts val="0"/>
+              </a:spcBef>
+              <a:spcAft>
+                <a:spcPts val="0"/>
+              </a:spcAft>
+              <a:buNone/>
+            </a:pPr>
+            <a:r>
+              <a:rPr lang="en"/>
+              <a:t>REFERENCES</a:t>
+            </a:r>
+            <a:endParaRPr/>
+          </a:p>
+        </p:txBody>
+      </p:sp>
+      <p:sp>
+        <p:nvSpPr>
+          <p:cNvPr id="221" name="Google Shape;221;p37"/>
+          <p:cNvSpPr txBox="1"/>
+          <p:nvPr>
+            <p:ph idx="1" type="body"/>
+          </p:nvPr>
+        </p:nvSpPr>
+        <p:spPr>
+          <a:xfrm>
+            <a:off x="471900" y="1919075"/>
+            <a:ext cx="8222100" cy="2710200"/>
+          </a:xfrm>
+          <a:prstGeom prst="rect">
+            <a:avLst/>
+          </a:prstGeom>
+        </p:spPr>
+        <p:txBody>
+          <a:bodyPr anchorCtr="0" anchor="t" bIns="91425" lIns="91425" spcFirstLastPara="1" rIns="91425" wrap="square" tIns="91425">
+            <a:noAutofit/>
+          </a:bodyPr>
+          <a:lstStyle/>
+          <a:p>
+            <a:pPr indent="-317500" lvl="0" marL="457200" rtl="0" algn="l">
+              <a:spcBef>
+                <a:spcPts val="0"/>
+              </a:spcBef>
+              <a:spcAft>
+                <a:spcPts val="0"/>
+              </a:spcAft>
+              <a:buClr>
+                <a:srgbClr val="000000"/>
+              </a:buClr>
+              <a:buSzPts val="1400"/>
+              <a:buFont typeface="Times New Roman"/>
+              <a:buAutoNum type="arabicPeriod"/>
+            </a:pPr>
+            <a:r>
+              <a:rPr lang="en" sz="1400" u="sng">
+                <a:solidFill>
+                  <a:srgbClr val="1155CC"/>
+                </a:solidFill>
+                <a:latin typeface="Times New Roman"/>
+                <a:ea typeface="Times New Roman"/>
+                <a:cs typeface="Times New Roman"/>
+                <a:sym typeface="Times New Roman"/>
+                <a:hlinkClick r:id="rId3">
+                  <a:extLst>
+                    <a:ext uri="{A12FA001-AC4F-418D-AE19-62706E023703}">
+                      <ahyp:hlinkClr val="tx"/>
+                    </a:ext>
+                  </a:extLst>
+                </a:hlinkClick>
+              </a:rPr>
+              <a:t>https://towardsdatascience.com/introduction-to-data-preprocessing-in-machine-learning-a9fa83a5dc9d</a:t>
+            </a:r>
+            <a:endParaRPr sz="1400">
+              <a:solidFill>
+                <a:srgbClr val="000000"/>
+              </a:solidFill>
+              <a:latin typeface="Times New Roman"/>
+              <a:ea typeface="Times New Roman"/>
+              <a:cs typeface="Times New Roman"/>
+              <a:sym typeface="Times New Roman"/>
+            </a:endParaRPr>
+          </a:p>
+          <a:p>
+            <a:pPr indent="-317500" lvl="0" marL="457200" rtl="0" algn="l">
+              <a:spcBef>
+                <a:spcPts val="0"/>
+              </a:spcBef>
+              <a:spcAft>
+                <a:spcPts val="0"/>
+              </a:spcAft>
+              <a:buClr>
+                <a:srgbClr val="000000"/>
+              </a:buClr>
+              <a:buSzPts val="1400"/>
+              <a:buFont typeface="Times New Roman"/>
+              <a:buAutoNum type="arabicPeriod"/>
+            </a:pPr>
+            <a:r>
+              <a:rPr lang="en" sz="1400" u="sng">
+                <a:solidFill>
+                  <a:srgbClr val="1155CC"/>
+                </a:solidFill>
+                <a:latin typeface="Times New Roman"/>
+                <a:ea typeface="Times New Roman"/>
+                <a:cs typeface="Times New Roman"/>
+                <a:sym typeface="Times New Roman"/>
+                <a:hlinkClick r:id="rId4">
+                  <a:extLst>
+                    <a:ext uri="{A12FA001-AC4F-418D-AE19-62706E023703}">
+                      <ahyp:hlinkClr val="tx"/>
+                    </a:ext>
+                  </a:extLst>
+                </a:hlinkClick>
+              </a:rPr>
+              <a:t>https://towardsdatascience.com/convolutional-neural-networks-explained-9cc5188c4939#:~:text=A%20Convolutional%20Neural%20Network%2C%20also,binary%20representation%20of%20visual%20data</a:t>
+            </a:r>
+            <a:r>
+              <a:rPr lang="en" sz="1400">
+                <a:solidFill>
+                  <a:srgbClr val="000000"/>
+                </a:solidFill>
+                <a:latin typeface="Times New Roman"/>
+                <a:ea typeface="Times New Roman"/>
+                <a:cs typeface="Times New Roman"/>
+                <a:sym typeface="Times New Roman"/>
+              </a:rPr>
+              <a:t>.</a:t>
+            </a:r>
+            <a:endParaRPr sz="1400">
+              <a:solidFill>
+                <a:srgbClr val="000000"/>
+              </a:solidFill>
+              <a:latin typeface="Times New Roman"/>
+              <a:ea typeface="Times New Roman"/>
+              <a:cs typeface="Times New Roman"/>
+              <a:sym typeface="Times New Roman"/>
+            </a:endParaRPr>
+          </a:p>
+          <a:p>
+            <a:pPr indent="-317500" lvl="0" marL="457200" rtl="0" algn="l">
+              <a:spcBef>
+                <a:spcPts val="0"/>
+              </a:spcBef>
+              <a:spcAft>
+                <a:spcPts val="0"/>
+              </a:spcAft>
+              <a:buClr>
+                <a:srgbClr val="000000"/>
+              </a:buClr>
+              <a:buSzPts val="1400"/>
+              <a:buFont typeface="Times New Roman"/>
+              <a:buAutoNum type="arabicPeriod"/>
+            </a:pPr>
+            <a:r>
+              <a:rPr lang="en" sz="1400" u="sng">
+                <a:solidFill>
+                  <a:srgbClr val="1155CC"/>
+                </a:solidFill>
+                <a:latin typeface="Times New Roman"/>
+                <a:ea typeface="Times New Roman"/>
+                <a:cs typeface="Times New Roman"/>
+                <a:sym typeface="Times New Roman"/>
+                <a:hlinkClick r:id="rId5">
+                  <a:extLst>
+                    <a:ext uri="{A12FA001-AC4F-418D-AE19-62706E023703}">
+                      <ahyp:hlinkClr val="tx"/>
+                    </a:ext>
+                  </a:extLst>
+                </a:hlinkClick>
+              </a:rPr>
+              <a:t>https://towardsdatascience.com/introduction-to-data-preprocessing-in-machine-learning-a9fa83a5dc9d</a:t>
+            </a:r>
+            <a:endParaRPr sz="1400">
+              <a:solidFill>
+                <a:srgbClr val="000000"/>
+              </a:solidFill>
+              <a:latin typeface="Times New Roman"/>
+              <a:ea typeface="Times New Roman"/>
+              <a:cs typeface="Times New Roman"/>
+              <a:sym typeface="Times New Roman"/>
+            </a:endParaRPr>
+          </a:p>
+          <a:p>
+            <a:pPr indent="-317500" lvl="0" marL="457200" rtl="0" algn="l">
+              <a:spcBef>
+                <a:spcPts val="0"/>
+              </a:spcBef>
+              <a:spcAft>
+                <a:spcPts val="0"/>
+              </a:spcAft>
+              <a:buClr>
+                <a:srgbClr val="000000"/>
+              </a:buClr>
+              <a:buSzPts val="1400"/>
+              <a:buFont typeface="Times New Roman"/>
+              <a:buAutoNum type="arabicPeriod"/>
+            </a:pPr>
+            <a:r>
+              <a:rPr lang="en" sz="1400" u="sng">
+                <a:solidFill>
+                  <a:srgbClr val="1155CC"/>
+                </a:solidFill>
+                <a:latin typeface="Times New Roman"/>
+                <a:ea typeface="Times New Roman"/>
+                <a:cs typeface="Times New Roman"/>
+                <a:sym typeface="Times New Roman"/>
+                <a:hlinkClick r:id="rId6">
+                  <a:extLst>
+                    <a:ext uri="{A12FA001-AC4F-418D-AE19-62706E023703}">
+                      <ahyp:hlinkClr val="tx"/>
+                    </a:ext>
+                  </a:extLst>
+                </a:hlinkClick>
+              </a:rPr>
+              <a:t>How to Use XGBoost and LGBM for Time Series Forecasting? | 365 Data Science</a:t>
+            </a:r>
+            <a:endParaRPr sz="1400">
+              <a:solidFill>
+                <a:srgbClr val="000000"/>
+              </a:solidFill>
+              <a:latin typeface="Times New Roman"/>
+              <a:ea typeface="Times New Roman"/>
+              <a:cs typeface="Times New Roman"/>
+              <a:sym typeface="Times New Roman"/>
+            </a:endParaRPr>
+          </a:p>
+          <a:p>
+            <a:pPr indent="-317500" lvl="0" marL="457200" rtl="0" algn="l">
+              <a:spcBef>
+                <a:spcPts val="0"/>
+              </a:spcBef>
+              <a:spcAft>
+                <a:spcPts val="0"/>
+              </a:spcAft>
+              <a:buClr>
+                <a:srgbClr val="000000"/>
+              </a:buClr>
+              <a:buSzPts val="1400"/>
+              <a:buFont typeface="Times New Roman"/>
+              <a:buAutoNum type="arabicPeriod"/>
+            </a:pPr>
+            <a:r>
+              <a:rPr lang="en" sz="1400" u="sng">
+                <a:solidFill>
+                  <a:srgbClr val="1155CC"/>
+                </a:solidFill>
+                <a:latin typeface="Times New Roman"/>
+                <a:ea typeface="Times New Roman"/>
+                <a:cs typeface="Times New Roman"/>
+                <a:sym typeface="Times New Roman"/>
+                <a:hlinkClick r:id="rId7">
+                  <a:extLst>
+                    <a:ext uri="{A12FA001-AC4F-418D-AE19-62706E023703}">
+                      <ahyp:hlinkClr val="tx"/>
+                    </a:ext>
+                  </a:extLst>
+                </a:hlinkClick>
+              </a:rPr>
+              <a:t>lightgbm.LGBMModel — LightGBM 3.3.3.99 documentation</a:t>
+            </a:r>
+            <a:endParaRPr sz="1400">
+              <a:solidFill>
+                <a:srgbClr val="000000"/>
+              </a:solidFill>
+              <a:latin typeface="Times New Roman"/>
+              <a:ea typeface="Times New Roman"/>
+              <a:cs typeface="Times New Roman"/>
+              <a:sym typeface="Times New Roman"/>
+            </a:endParaRPr>
+          </a:p>
+          <a:p>
+            <a:pPr indent="-317500" lvl="0" marL="457200" rtl="0" algn="l">
+              <a:spcBef>
+                <a:spcPts val="0"/>
+              </a:spcBef>
+              <a:spcAft>
+                <a:spcPts val="0"/>
+              </a:spcAft>
+              <a:buClr>
+                <a:srgbClr val="000000"/>
+              </a:buClr>
+              <a:buSzPts val="1400"/>
+              <a:buFont typeface="Times New Roman"/>
+              <a:buAutoNum type="arabicPeriod"/>
+            </a:pPr>
+            <a:r>
+              <a:rPr lang="en" sz="1400" u="sng">
+                <a:solidFill>
+                  <a:srgbClr val="1155CC"/>
+                </a:solidFill>
+                <a:latin typeface="Times New Roman"/>
+                <a:ea typeface="Times New Roman"/>
+                <a:cs typeface="Times New Roman"/>
+                <a:sym typeface="Times New Roman"/>
+                <a:hlinkClick r:id="rId8">
+                  <a:extLst>
+                    <a:ext uri="{A12FA001-AC4F-418D-AE19-62706E023703}">
+                      <ahyp:hlinkClr val="tx"/>
+                    </a:ext>
+                  </a:extLst>
+                </a:hlinkClick>
+              </a:rPr>
+              <a:t>SMOTE | Towards Data Science</a:t>
+            </a:r>
+            <a:endParaRPr sz="1400">
+              <a:solidFill>
+                <a:srgbClr val="000000"/>
+              </a:solidFill>
+              <a:latin typeface="Times New Roman"/>
+              <a:ea typeface="Times New Roman"/>
+              <a:cs typeface="Times New Roman"/>
+              <a:sym typeface="Times New Roman"/>
+            </a:endParaRPr>
+          </a:p>
+          <a:p>
+            <a:pPr indent="-317500" lvl="0" marL="457200" rtl="0" algn="l">
+              <a:spcBef>
+                <a:spcPts val="0"/>
+              </a:spcBef>
+              <a:spcAft>
+                <a:spcPts val="0"/>
+              </a:spcAft>
+              <a:buClr>
+                <a:srgbClr val="000000"/>
+              </a:buClr>
+              <a:buSzPts val="1400"/>
+              <a:buFont typeface="Times New Roman"/>
+              <a:buAutoNum type="arabicPeriod"/>
+            </a:pPr>
+            <a:r>
+              <a:rPr lang="en" sz="1400" u="sng">
+                <a:solidFill>
+                  <a:srgbClr val="1155CC"/>
+                </a:solidFill>
+                <a:latin typeface="Times New Roman"/>
+                <a:ea typeface="Times New Roman"/>
+                <a:cs typeface="Times New Roman"/>
+                <a:sym typeface="Times New Roman"/>
+                <a:hlinkClick r:id="rId9">
+                  <a:extLst>
+                    <a:ext uri="{A12FA001-AC4F-418D-AE19-62706E023703}">
+                      <ahyp:hlinkClr val="tx"/>
+                    </a:ext>
+                  </a:extLst>
+                </a:hlinkClick>
+              </a:rPr>
+              <a:t>EditedNearestNeighbours — Version 0.9.1 (imbalanced-learn.org)</a:t>
+            </a:r>
+            <a:endParaRPr sz="1400">
+              <a:solidFill>
+                <a:srgbClr val="000000"/>
+              </a:solidFill>
+              <a:latin typeface="Times New Roman"/>
+              <a:ea typeface="Times New Roman"/>
+              <a:cs typeface="Times New Roman"/>
+              <a:sym typeface="Times New Roman"/>
+            </a:endParaRPr>
+          </a:p>
+          <a:p>
+            <a:pPr indent="-317500" lvl="0" marL="457200" rtl="0" algn="l">
+              <a:spcBef>
+                <a:spcPts val="0"/>
+              </a:spcBef>
+              <a:spcAft>
+                <a:spcPts val="0"/>
+              </a:spcAft>
+              <a:buClr>
+                <a:srgbClr val="000000"/>
+              </a:buClr>
+              <a:buSzPts val="1400"/>
+              <a:buFont typeface="Times New Roman"/>
+              <a:buAutoNum type="arabicPeriod"/>
+            </a:pPr>
+            <a:r>
+              <a:rPr lang="en" sz="1400" u="sng">
+                <a:solidFill>
+                  <a:srgbClr val="1155CC"/>
+                </a:solidFill>
+                <a:latin typeface="Times New Roman"/>
+                <a:ea typeface="Times New Roman"/>
+                <a:cs typeface="Times New Roman"/>
+                <a:sym typeface="Times New Roman"/>
+                <a:hlinkClick r:id="rId10">
+                  <a:extLst>
+                    <a:ext uri="{A12FA001-AC4F-418D-AE19-62706E023703}">
+                      <ahyp:hlinkClr val="tx"/>
+                    </a:ext>
+                  </a:extLst>
+                </a:hlinkClick>
+              </a:rPr>
+              <a:t>https://en.wikipedia.org/wiki/Gravitational_wave</a:t>
+            </a:r>
+            <a:r>
+              <a:rPr lang="en" sz="1400">
+                <a:solidFill>
+                  <a:srgbClr val="000000"/>
+                </a:solidFill>
+                <a:latin typeface="Times New Roman"/>
+                <a:ea typeface="Times New Roman"/>
+                <a:cs typeface="Times New Roman"/>
+                <a:sym typeface="Times New Roman"/>
+              </a:rPr>
+              <a:t> </a:t>
+            </a:r>
+            <a:endParaRPr sz="1400">
+              <a:solidFill>
+                <a:srgbClr val="000000"/>
+              </a:solidFill>
+              <a:latin typeface="Times New Roman"/>
+              <a:ea typeface="Times New Roman"/>
+              <a:cs typeface="Times New Roman"/>
+              <a:sym typeface="Times New Roman"/>
+            </a:endParaRPr>
+          </a:p>
+          <a:p>
+            <a:pPr indent="-317500" lvl="0" marL="457200" rtl="0" algn="l">
+              <a:spcBef>
+                <a:spcPts val="0"/>
+              </a:spcBef>
+              <a:spcAft>
+                <a:spcPts val="0"/>
+              </a:spcAft>
+              <a:buClr>
+                <a:srgbClr val="000000"/>
+              </a:buClr>
+              <a:buSzPts val="1400"/>
+              <a:buFont typeface="Times New Roman"/>
+              <a:buAutoNum type="arabicPeriod"/>
+            </a:pPr>
+            <a:r>
+              <a:rPr lang="en" sz="1400" u="sng">
+                <a:solidFill>
+                  <a:srgbClr val="1155CC"/>
+                </a:solidFill>
+                <a:latin typeface="Times New Roman"/>
+                <a:ea typeface="Times New Roman"/>
+                <a:cs typeface="Times New Roman"/>
+                <a:sym typeface="Times New Roman"/>
+                <a:hlinkClick r:id="rId11">
+                  <a:extLst>
+                    <a:ext uri="{A12FA001-AC4F-418D-AE19-62706E023703}">
+                      <ahyp:hlinkClr val="tx"/>
+                    </a:ext>
+                  </a:extLst>
+                </a:hlinkClick>
+              </a:rPr>
+              <a:t>https://spaceplace.nasa.gov/gravitational-waves/en/</a:t>
+            </a:r>
+            <a:r>
+              <a:rPr lang="en" sz="1400">
+                <a:solidFill>
+                  <a:srgbClr val="000000"/>
+                </a:solidFill>
+                <a:latin typeface="Times New Roman"/>
+                <a:ea typeface="Times New Roman"/>
+                <a:cs typeface="Times New Roman"/>
+                <a:sym typeface="Times New Roman"/>
+              </a:rPr>
+              <a:t> </a:t>
+            </a:r>
+            <a:endParaRPr sz="1400">
+              <a:solidFill>
+                <a:srgbClr val="000000"/>
+              </a:solidFill>
+              <a:latin typeface="Times New Roman"/>
+              <a:ea typeface="Times New Roman"/>
+              <a:cs typeface="Times New Roman"/>
+              <a:sym typeface="Times New Roman"/>
+            </a:endParaRPr>
+          </a:p>
+          <a:p>
+            <a:pPr indent="-317500" lvl="0" marL="457200" rtl="0" algn="l">
+              <a:spcBef>
+                <a:spcPts val="0"/>
+              </a:spcBef>
+              <a:spcAft>
+                <a:spcPts val="0"/>
+              </a:spcAft>
+              <a:buClr>
+                <a:srgbClr val="000000"/>
+              </a:buClr>
+              <a:buSzPts val="1400"/>
+              <a:buFont typeface="Times New Roman"/>
+              <a:buAutoNum type="arabicPeriod"/>
+            </a:pPr>
+            <a:r>
+              <a:rPr lang="en" sz="1400" u="sng">
+                <a:solidFill>
+                  <a:srgbClr val="1155CC"/>
+                </a:solidFill>
+                <a:latin typeface="Times New Roman"/>
+                <a:ea typeface="Times New Roman"/>
+                <a:cs typeface="Times New Roman"/>
+                <a:sym typeface="Times New Roman"/>
+                <a:hlinkClick r:id="rId12">
+                  <a:extLst>
+                    <a:ext uri="{A12FA001-AC4F-418D-AE19-62706E023703}">
+                      <ahyp:hlinkClr val="tx"/>
+                    </a:ext>
+                  </a:extLst>
+                </a:hlinkClick>
+              </a:rPr>
+              <a:t>https://en.wikipedia.org/wiki/Long_short-term_memory</a:t>
+            </a:r>
+            <a:r>
+              <a:rPr lang="en" sz="1400">
+                <a:solidFill>
+                  <a:srgbClr val="000000"/>
+                </a:solidFill>
+                <a:latin typeface="Times New Roman"/>
+                <a:ea typeface="Times New Roman"/>
+                <a:cs typeface="Times New Roman"/>
+                <a:sym typeface="Times New Roman"/>
+              </a:rPr>
+              <a:t> </a:t>
+            </a:r>
+            <a:endParaRPr sz="2200"/>
+          </a:p>
+        </p:txBody>
+      </p:sp>
+    </p:spTree>
+  </p:cSld>
+  <p:clrMapOvr>
+    <a:masterClrMapping/>
+  </p:clrMapOvr>
+</p:sld>
+</file>
+
+<file path=ppt/slides/slide26.xml><?xml version="1.0" encoding="utf-8"?>
+<p:sld xmlns:a="http://schemas.openxmlformats.org/drawingml/2006/main" xmlns:r="http://schemas.openxmlformats.org/officeDocument/2006/relationships" xmlns:mc="http://schemas.openxmlformats.org/markup-compatibility/2006" xmlns:mv="urn:schemas-microsoft-com:mac:vml" xmlns:p="http://schemas.openxmlformats.org/presentationml/2006/main" xmlns:c="http://schemas.openxmlformats.org/drawingml/2006/chart" xmlns:dgm="http://schemas.openxmlformats.org/drawingml/2006/diagram" xmlns:o="urn:schemas-microsoft-com:office:office" xmlns:v="urn:schemas-microsoft-com:vml" xmlns:pvml="urn:schemas-microsoft-com:office:powerpoint" xmlns:com="http://schemas.openxmlformats.org/drawingml/2006/compatibility" xmlns:p14="http://schemas.microsoft.com/office/powerpoint/2010/main" xmlns:p15="http://schemas.microsoft.com/office/powerpoint/2012/main" xmlns:ahyp="http://schemas.microsoft.com/office/drawing/2018/hyperlinkcolor">
+  <p:cSld>
+    <p:spTree>
+      <p:nvGrpSpPr>
+        <p:cNvPr id="225" name="Shape 225"/>
+        <p:cNvGrpSpPr/>
+        <p:nvPr/>
+      </p:nvGrpSpPr>
+      <p:grpSpPr>
+        <a:xfrm>
+          <a:off x="0" y="0"/>
+          <a:ext cx="0" cy="0"/>
+          <a:chOff x="0" y="0"/>
+          <a:chExt cx="0" cy="0"/>
+        </a:xfrm>
+      </p:grpSpPr>
+      <p:sp>
+        <p:nvSpPr>
+          <p:cNvPr id="226" name="Google Shape;226;p38"/>
           <p:cNvSpPr txBox="1"/>
           <p:nvPr/>
         </p:nvSpPr>
@@ -13084,6 +14860,34 @@
               </a:solidFill>
             </a:endParaRPr>
           </a:p>
+          <a:p>
+            <a:pPr indent="-342900" lvl="0" marL="457200" rtl="0" algn="l">
+              <a:spcBef>
+                <a:spcPts val="0"/>
+              </a:spcBef>
+              <a:spcAft>
+                <a:spcPts val="0"/>
+              </a:spcAft>
+              <a:buClr>
+                <a:srgbClr val="222222"/>
+              </a:buClr>
+              <a:buSzPts val="1800"/>
+              <a:buChar char="●"/>
+            </a:pPr>
+            <a:r>
+              <a:rPr lang="en">
+                <a:solidFill>
+                  <a:srgbClr val="222222"/>
+                </a:solidFill>
+              </a:rPr>
+              <a:t>Ensembling models (XGB, CATBOOST, LGBM, RANDOM FOREST)</a:t>
+            </a:r>
+            <a:endParaRPr>
+              <a:solidFill>
+                <a:srgbClr val="222222"/>
+              </a:solidFill>
+            </a:endParaRPr>
+          </a:p>
         </p:txBody>
       </p:sp>
     </p:spTree>
@@ -13300,6 +15104,285 @@
 </file>
 
 <file path=ppt/theme/theme1.xml><?xml version="1.0" encoding="utf-8"?>
+<a:theme xmlns:a="http://schemas.openxmlformats.org/drawingml/2006/main" xmlns:r="http://schemas.openxmlformats.org/officeDocument/2006/relationships" name="Material">
+  <a:themeElements>
+    <a:clrScheme name="Material">
+      <a:dk1>
+        <a:srgbClr val="4285F4"/>
+      </a:dk1>
+      <a:lt1>
+        <a:srgbClr val="FFFFFF"/>
+      </a:lt1>
+      <a:dk2>
+        <a:srgbClr val="424242"/>
+      </a:dk2>
+      <a:lt2>
+        <a:srgbClr val="737373"/>
+      </a:lt2>
+      <a:accent1>
+        <a:srgbClr val="0277BD"/>
+      </a:accent1>
+      <a:accent2>
+        <a:srgbClr val="0F9D58"/>
+      </a:accent2>
+      <a:accent3>
+        <a:srgbClr val="DB4437"/>
+      </a:accent3>
+      <a:accent4>
+        <a:srgbClr val="FAFAFA"/>
+      </a:accent4>
+      <a:accent5>
+        <a:srgbClr val="1A237E"/>
+      </a:accent5>
+      <a:accent6>
+        <a:srgbClr val="F4B400"/>
+      </a:accent6>
+      <a:hlink>
+        <a:srgbClr val="1A237E"/>
+      </a:hlink>
+      <a:folHlink>
+        <a:srgbClr val="1A237E"/>
+      </a:folHlink>
+    </a:clrScheme>
+    <a:fontScheme name="Office">
+      <a:majorFont>
+        <a:latin typeface="Arial"/>
+        <a:ea typeface=""/>
+        <a:cs typeface=""/>
+        <a:font script="Jpan" typeface="ＭＳ Ｐゴシック"/>
+        <a:font script="Hang" typeface="맑은 고딕"/>
+        <a:font script="Hans" typeface="宋体"/>
+        <a:font script="Hant" typeface="新細明體"/>
+        <a:font script="Arab" typeface="Times New Roman"/>
+        <a:font script="Hebr" typeface="Times New Roman"/>
+        <a:font script="Thai" typeface="Angsana New"/>
+        <a:font script="Ethi" typeface="Nyala"/>
+        <a:font script="Beng" typeface="Vrinda"/>
+        <a:font script="Gujr" typeface="Shruti"/>
+        <a:font script="Khmr" typeface="MoolBoran"/>
+        <a:font script="Knda" typeface="Tunga"/>
+        <a:font script="Guru" typeface="Raavi"/>
+        <a:font script="Cans" typeface="Euphemia"/>
+        <a:font script="Cher" typeface="Plantagenet Cherokee"/>
+        <a:font script="Yiii" typeface="Microsoft Yi Baiti"/>
+        <a:font script="Tibt" typeface="Microsoft Himalaya"/>
+        <a:font script="Thaa" typeface="MV Boli"/>
+        <a:font script="Deva" typeface="Mangal"/>
+        <a:font script="Telu" typeface="Gautami"/>
+        <a:font script="Taml" typeface="Latha"/>
+        <a:font script="Syrc" typeface="Estrangelo Edessa"/>
+        <a:font script="Orya" typeface="Kalinga"/>
+        <a:font script="Mlym" typeface="Kartika"/>
+        <a:font script="Laoo" typeface="DokChampa"/>
+        <a:font script="Sinh" typeface="Iskoola Pota"/>
+        <a:font script="Mong" typeface="Mongolian Baiti"/>
+        <a:font script="Viet" typeface="Times New Roman"/>
+        <a:font script="Uigh" typeface="Microsoft Uighur"/>
+        <a:font script="Geor" typeface="Sylfaen"/>
+      </a:majorFont>
+      <a:minorFont>
+        <a:latin typeface="Arial"/>
+        <a:ea typeface=""/>
+        <a:cs typeface=""/>
+        <a:font script="Jpan" typeface="ＭＳ Ｐゴシック"/>
+        <a:font script="Hang" typeface="맑은 고딕"/>
+        <a:font script="Hans" typeface="宋体"/>
+        <a:font script="Hant" typeface="新細明體"/>
+        <a:font script="Arab" typeface="Arial"/>
+        <a:font script="Hebr" typeface="Arial"/>
+        <a:font script="Thai" typeface="Cordia New"/>
+        <a:font script="Ethi" typeface="Nyala"/>
+        <a:font script="Beng" typeface="Vrinda"/>
+        <a:font script="Gujr" typeface="Shruti"/>
+        <a:font script="Khmr" typeface="DaunPenh"/>
+        <a:font script="Knda" typeface="Tunga"/>
+        <a:font script="Guru" typeface="Raavi"/>
+        <a:font script="Cans" typeface="Euphemia"/>
+        <a:font script="Cher" typeface="Plantagenet Cherokee"/>
+        <a:font script="Yiii" typeface="Microsoft Yi Baiti"/>
+        <a:font script="Tibt" typeface="Microsoft Himalaya"/>
+        <a:font script="Thaa" typeface="MV Boli"/>
+        <a:font script="Deva" typeface="Mangal"/>
+        <a:font script="Telu" typeface="Gautami"/>
+        <a:font script="Taml" typeface="Latha"/>
+        <a:font script="Syrc" typeface="Estrangelo Edessa"/>
+        <a:font script="Orya" typeface="Kalinga"/>
+        <a:font script="Mlym" typeface="Kartika"/>
+        <a:font script="Laoo" typeface="DokChampa"/>
+        <a:font script="Sinh" typeface="Iskoola Pota"/>
+        <a:font script="Mong" typeface="Mongolian Baiti"/>
+        <a:font script="Viet" typeface="Arial"/>
+        <a:font script="Uigh" typeface="Microsoft Uighur"/>
+        <a:font script="Geor" typeface="Sylfaen"/>
+      </a:minorFont>
+    </a:fontScheme>
+    <a:fmtScheme name="Office">
+      <a:fillStyleLst>
+        <a:solidFill>
+          <a:schemeClr val="phClr"/>
+        </a:solidFill>
+        <a:gradFill rotWithShape="1">
+          <a:gsLst>
+            <a:gs pos="0">
+              <a:schemeClr val="phClr">
+                <a:tint val="50000"/>
+                <a:satMod val="300000"/>
+              </a:schemeClr>
+            </a:gs>
+            <a:gs pos="35000">
+              <a:schemeClr val="phClr">
+                <a:tint val="37000"/>
+                <a:satMod val="300000"/>
+              </a:schemeClr>
+            </a:gs>
+            <a:gs pos="100000">
+              <a:schemeClr val="phClr">
+                <a:tint val="15000"/>
+                <a:satMod val="350000"/>
+              </a:schemeClr>
+            </a:gs>
+          </a:gsLst>
+          <a:lin ang="16200000" scaled="1"/>
+        </a:gradFill>
+        <a:gradFill rotWithShape="1">
+          <a:gsLst>
+            <a:gs pos="0">
+              <a:schemeClr val="phClr">
+                <a:tint val="100000"/>
+                <a:shade val="100000"/>
+                <a:satMod val="130000"/>
+              </a:schemeClr>
+            </a:gs>
+            <a:gs pos="100000">
+              <a:schemeClr val="phClr">
+                <a:tint val="50000"/>
+                <a:shade val="100000"/>
+                <a:satMod val="350000"/>
+              </a:schemeClr>
+            </a:gs>
+          </a:gsLst>
+          <a:lin ang="16200000" scaled="0"/>
+        </a:gradFill>
+      </a:fillStyleLst>
+      <a:lnStyleLst>
+        <a:ln w="9525" cap="flat" cmpd="sng" algn="ctr">
+          <a:solidFill>
+            <a:schemeClr val="phClr">
+              <a:shade val="95000"/>
+              <a:satMod val="105000"/>
+            </a:schemeClr>
+          </a:solidFill>
+          <a:prstDash val="solid"/>
+        </a:ln>
+        <a:ln w="25400" cap="flat" cmpd="sng" algn="ctr">
+          <a:solidFill>
+            <a:schemeClr val="phClr"/>
+          </a:solidFill>
+          <a:prstDash val="solid"/>
+        </a:ln>
+        <a:ln w="38100" cap="flat" cmpd="sng" algn="ctr">
+          <a:solidFill>
+            <a:schemeClr val="phClr"/>
+          </a:solidFill>
+          <a:prstDash val="solid"/>
+        </a:ln>
+      </a:lnStyleLst>
+      <a:effectStyleLst>
+        <a:effectStyle>
+          <a:effectLst>
+            <a:outerShdw blurRad="40000" dist="20000" dir="5400000" rotWithShape="0">
+              <a:srgbClr val="000000">
+                <a:alpha val="38000"/>
+              </a:srgbClr>
+            </a:outerShdw>
+          </a:effectLst>
+        </a:effectStyle>
+        <a:effectStyle>
+          <a:effectLst>
+            <a:outerShdw blurRad="40000" dist="23000" dir="5400000" rotWithShape="0">
+              <a:srgbClr val="000000">
+                <a:alpha val="35000"/>
+              </a:srgbClr>
+            </a:outerShdw>
+          </a:effectLst>
+        </a:effectStyle>
+        <a:effectStyle>
+          <a:effectLst>
+            <a:outerShdw blurRad="40000" dist="23000" dir="5400000" rotWithShape="0">
+              <a:srgbClr val="000000">
+                <a:alpha val="35000"/>
+              </a:srgbClr>
+            </a:outerShdw>
+          </a:effectLst>
+          <a:scene3d>
+            <a:camera prst="orthographicFront">
+              <a:rot lat="0" lon="0" rev="0"/>
+            </a:camera>
+            <a:lightRig rig="threePt" dir="t">
+              <a:rot lat="0" lon="0" rev="1200000"/>
+            </a:lightRig>
+          </a:scene3d>
+          <a:sp3d>
+            <a:bevelT w="63500" h="25400"/>
+          </a:sp3d>
+        </a:effectStyle>
+      </a:effectStyleLst>
+      <a:bgFillStyleLst>
+        <a:solidFill>
+          <a:schemeClr val="phClr"/>
+        </a:solidFill>
+        <a:gradFill rotWithShape="1">
+          <a:gsLst>
+            <a:gs pos="0">
+              <a:schemeClr val="phClr">
+                <a:tint val="40000"/>
+                <a:satMod val="350000"/>
+              </a:schemeClr>
+            </a:gs>
+            <a:gs pos="40000">
+              <a:schemeClr val="phClr">
+                <a:tint val="45000"/>
+                <a:shade val="99000"/>
+                <a:satMod val="350000"/>
+              </a:schemeClr>
+            </a:gs>
+            <a:gs pos="100000">
+              <a:schemeClr val="phClr">
+                <a:shade val="20000"/>
+                <a:satMod val="255000"/>
+              </a:schemeClr>
+            </a:gs>
+          </a:gsLst>
+          <a:path path="circle">
+            <a:fillToRect l="50000" t="-80000" r="50000" b="180000"/>
+          </a:path>
+        </a:gradFill>
+        <a:gradFill rotWithShape="1">
+          <a:gsLst>
+            <a:gs pos="0">
+              <a:schemeClr val="phClr">
+                <a:tint val="80000"/>
+                <a:satMod val="300000"/>
+              </a:schemeClr>
+            </a:gs>
+            <a:gs pos="100000">
+              <a:schemeClr val="phClr">
+                <a:shade val="30000"/>
+                <a:satMod val="200000"/>
+              </a:schemeClr>
+            </a:gs>
+          </a:gsLst>
+          <a:path path="circle">
+            <a:fillToRect l="50000" t="50000" r="50000" b="50000"/>
+          </a:path>
+        </a:gradFill>
+      </a:bgFillStyleLst>
+    </a:fmtScheme>
+  </a:themeElements>
+</a:theme>
+</file>
+
+<file path=ppt/theme/theme2.xml><?xml version="1.0" encoding="utf-8"?>
 <a:theme xmlns:a="http://schemas.openxmlformats.org/drawingml/2006/main" xmlns:r="http://schemas.openxmlformats.org/officeDocument/2006/relationships">
   <a:themeElements>
     <a:clrScheme name="Default">
@@ -13576,283 +15659,4 @@
     </a:fmtScheme>
   </a:themeElements>
 </a:theme>
-</file>
-
-<file path=ppt/theme/theme2.xml><?xml version="1.0" encoding="utf-8"?>
-<a:theme xmlns:a="http://schemas.openxmlformats.org/drawingml/2006/main" xmlns:r="http://schemas.openxmlformats.org/officeDocument/2006/relationships" name="Material">
-  <a:themeElements>
-    <a:clrScheme name="Material">
-      <a:dk1>
-        <a:srgbClr val="4285F4"/>
-      </a:dk1>
-      <a:lt1>
-        <a:srgbClr val="FFFFFF"/>
-      </a:lt1>
-      <a:dk2>
-        <a:srgbClr val="424242"/>
-      </a:dk2>
-      <a:lt2>
-        <a:srgbClr val="737373"/>
-      </a:lt2>
-      <a:accent1>
-        <a:srgbClr val="0277BD"/>
-      </a:accent1>
-      <a:accent2>
-        <a:srgbClr val="0F9D58"/>
-      </a:accent2>
-      <a:accent3>
-        <a:srgbClr val="DB4437"/>
-      </a:accent3>
-      <a:accent4>
-        <a:srgbClr val="FAFAFA"/>
-      </a:accent4>
-      <a:accent5>
-        <a:srgbClr val="1A237E"/>
-      </a:accent5>
-      <a:accent6>
-        <a:srgbClr val="F4B400"/>
-      </a:accent6>
-      <a:hlink>
-        <a:srgbClr val="1A237E"/>
-      </a:hlink>
-      <a:folHlink>
-        <a:srgbClr val="1A237E"/>
-      </a:folHlink>
-    </a:clrScheme>
-    <a:fontScheme name="Office">
-      <a:majorFont>
-        <a:latin typeface="Arial"/>
-        <a:ea typeface=""/>
-        <a:cs typeface=""/>
-        <a:font script="Jpan" typeface="ＭＳ Ｐゴシック"/>
-        <a:font script="Hang" typeface="맑은 고딕"/>
-        <a:font script="Hans" typeface="宋体"/>
-        <a:font script="Hant" typeface="新細明體"/>
-        <a:font script="Arab" typeface="Times New Roman"/>
-        <a:font script="Hebr" typeface="Times New Roman"/>
-        <a:font script="Thai" typeface="Angsana New"/>
-        <a:font script="Ethi" typeface="Nyala"/>
-        <a:font script="Beng" typeface="Vrinda"/>
-        <a:font script="Gujr" typeface="Shruti"/>
-        <a:font script="Khmr" typeface="MoolBoran"/>
-        <a:font script="Knda" typeface="Tunga"/>
-        <a:font script="Guru" typeface="Raavi"/>
-        <a:font script="Cans" typeface="Euphemia"/>
-        <a:font script="Cher" typeface="Plantagenet Cherokee"/>
-        <a:font script="Yiii" typeface="Microsoft Yi Baiti"/>
-        <a:font script="Tibt" typeface="Microsoft Himalaya"/>
-        <a:font script="Thaa" typeface="MV Boli"/>
-        <a:font script="Deva" typeface="Mangal"/>
-        <a:font script="Telu" typeface="Gautami"/>
-        <a:font script="Taml" typeface="Latha"/>
-        <a:font script="Syrc" typeface="Estrangelo Edessa"/>
-        <a:font script="Orya" typeface="Kalinga"/>
-        <a:font script="Mlym" typeface="Kartika"/>
-        <a:font script="Laoo" typeface="DokChampa"/>
-        <a:font script="Sinh" typeface="Iskoola Pota"/>
-        <a:font script="Mong" typeface="Mongolian Baiti"/>
-        <a:font script="Viet" typeface="Times New Roman"/>
-        <a:font script="Uigh" typeface="Microsoft Uighur"/>
-        <a:font script="Geor" typeface="Sylfaen"/>
-      </a:majorFont>
-      <a:minorFont>
-        <a:latin typeface="Arial"/>
-        <a:ea typeface=""/>
-        <a:cs typeface=""/>
-        <a:font script="Jpan" typeface="ＭＳ Ｐゴシック"/>
-        <a:font script="Hang" typeface="맑은 고딕"/>
-        <a:font script="Hans" typeface="宋体"/>
-        <a:font script="Hant" typeface="新細明體"/>
-        <a:font script="Arab" typeface="Arial"/>
-        <a:font script="Hebr" typeface="Arial"/>
-        <a:font script="Thai" typeface="Cordia New"/>
-        <a:font script="Ethi" typeface="Nyala"/>
-        <a:font script="Beng" typeface="Vrinda"/>
-        <a:font script="Gujr" typeface="Shruti"/>
-        <a:font script="Khmr" typeface="DaunPenh"/>
-        <a:font script="Knda" typeface="Tunga"/>
-        <a:font script="Guru" typeface="Raavi"/>
-        <a:font script="Cans" typeface="Euphemia"/>
-        <a:font script="Cher" typeface="Plantagenet Cherokee"/>
-        <a:font script="Yiii" typeface="Microsoft Yi Baiti"/>
-        <a:font script="Tibt" typeface="Microsoft Himalaya"/>
-        <a:font script="Thaa" typeface="MV Boli"/>
-        <a:font script="Deva" typeface="Mangal"/>
-        <a:font script="Telu" typeface="Gautami"/>
-        <a:font script="Taml" typeface="Latha"/>
-        <a:font script="Syrc" typeface="Estrangelo Edessa"/>
-        <a:font script="Orya" typeface="Kalinga"/>
-        <a:font script="Mlym" typeface="Kartika"/>
-        <a:font script="Laoo" typeface="DokChampa"/>
-        <a:font script="Sinh" typeface="Iskoola Pota"/>
-        <a:font script="Mong" typeface="Mongolian Baiti"/>
-        <a:font script="Viet" typeface="Arial"/>
-        <a:font script="Uigh" typeface="Microsoft Uighur"/>
-        <a:font script="Geor" typeface="Sylfaen"/>
-      </a:minorFont>
-    </a:fontScheme>
-    <a:fmtScheme name="Office">
-      <a:fillStyleLst>
-        <a:solidFill>
-          <a:schemeClr val="phClr"/>
-        </a:solidFill>
-        <a:gradFill rotWithShape="1">
-          <a:gsLst>
-            <a:gs pos="0">
-              <a:schemeClr val="phClr">
-                <a:tint val="50000"/>
-                <a:satMod val="300000"/>
-              </a:schemeClr>
-            </a:gs>
-            <a:gs pos="35000">
-              <a:schemeClr val="phClr">
-                <a:tint val="37000"/>
-                <a:satMod val="300000"/>
-              </a:schemeClr>
-            </a:gs>
-            <a:gs pos="100000">
-              <a:schemeClr val="phClr">
-                <a:tint val="15000"/>
-                <a:satMod val="350000"/>
-              </a:schemeClr>
-            </a:gs>
-          </a:gsLst>
-          <a:lin ang="16200000" scaled="1"/>
-        </a:gradFill>
-        <a:gradFill rotWithShape="1">
-          <a:gsLst>
-            <a:gs pos="0">
-              <a:schemeClr val="phClr">
-                <a:tint val="100000"/>
-                <a:shade val="100000"/>
-                <a:satMod val="130000"/>
-              </a:schemeClr>
-            </a:gs>
-            <a:gs pos="100000">
-              <a:schemeClr val="phClr">
-                <a:tint val="50000"/>
-                <a:shade val="100000"/>
-                <a:satMod val="350000"/>
-              </a:schemeClr>
-            </a:gs>
-          </a:gsLst>
-          <a:lin ang="16200000" scaled="0"/>
-        </a:gradFill>
-      </a:fillStyleLst>
-      <a:lnStyleLst>
-        <a:ln w="9525" cap="flat" cmpd="sng" algn="ctr">
-          <a:solidFill>
-            <a:schemeClr val="phClr">
-              <a:shade val="95000"/>
-              <a:satMod val="105000"/>
-            </a:schemeClr>
-          </a:solidFill>
-          <a:prstDash val="solid"/>
-        </a:ln>
-        <a:ln w="25400" cap="flat" cmpd="sng" algn="ctr">
-          <a:solidFill>
-            <a:schemeClr val="phClr"/>
-          </a:solidFill>
-          <a:prstDash val="solid"/>
-        </a:ln>
-        <a:ln w="38100" cap="flat" cmpd="sng" algn="ctr">
-          <a:solidFill>
-            <a:schemeClr val="phClr"/>
-          </a:solidFill>
-          <a:prstDash val="solid"/>
-        </a:ln>
-      </a:lnStyleLst>
-      <a:effectStyleLst>
-        <a:effectStyle>
-          <a:effectLst>
-            <a:outerShdw blurRad="40000" dist="20000" dir="5400000" rotWithShape="0">
-              <a:srgbClr val="000000">
-                <a:alpha val="38000"/>
-              </a:srgbClr>
-            </a:outerShdw>
-          </a:effectLst>
-        </a:effectStyle>
-        <a:effectStyle>
-          <a:effectLst>
-            <a:outerShdw blurRad="40000" dist="23000" dir="5400000" rotWithShape="0">
-              <a:srgbClr val="000000">
-                <a:alpha val="35000"/>
-              </a:srgbClr>
-            </a:outerShdw>
-          </a:effectLst>
-        </a:effectStyle>
-        <a:effectStyle>
-          <a:effectLst>
-            <a:outerShdw blurRad="40000" dist="23000" dir="5400000" rotWithShape="0">
-              <a:srgbClr val="000000">
-                <a:alpha val="35000"/>
-              </a:srgbClr>
-            </a:outerShdw>
-          </a:effectLst>
-          <a:scene3d>
-            <a:camera prst="orthographicFront">
-              <a:rot lat="0" lon="0" rev="0"/>
-            </a:camera>
-            <a:lightRig rig="threePt" dir="t">
-              <a:rot lat="0" lon="0" rev="1200000"/>
-            </a:lightRig>
-          </a:scene3d>
-          <a:sp3d>
-            <a:bevelT w="63500" h="25400"/>
-          </a:sp3d>
-        </a:effectStyle>
-      </a:effectStyleLst>
-      <a:bgFillStyleLst>
-        <a:solidFill>
-          <a:schemeClr val="phClr"/>
-        </a:solidFill>
-        <a:gradFill rotWithShape="1">
-          <a:gsLst>
-            <a:gs pos="0">
-              <a:schemeClr val="phClr">
-                <a:tint val="40000"/>
-                <a:satMod val="350000"/>
-              </a:schemeClr>
-            </a:gs>
-            <a:gs pos="40000">
-              <a:schemeClr val="phClr">
-                <a:tint val="45000"/>
-                <a:shade val="99000"/>
-                <a:satMod val="350000"/>
-              </a:schemeClr>
-            </a:gs>
-            <a:gs pos="100000">
-              <a:schemeClr val="phClr">
-                <a:shade val="20000"/>
-                <a:satMod val="255000"/>
-              </a:schemeClr>
-            </a:gs>
-          </a:gsLst>
-          <a:path path="circle">
-            <a:fillToRect l="50000" t="-80000" r="50000" b="180000"/>
-          </a:path>
-        </a:gradFill>
-        <a:gradFill rotWithShape="1">
-          <a:gsLst>
-            <a:gs pos="0">
-              <a:schemeClr val="phClr">
-                <a:tint val="80000"/>
-                <a:satMod val="300000"/>
-              </a:schemeClr>
-            </a:gs>
-            <a:gs pos="100000">
-              <a:schemeClr val="phClr">
-                <a:shade val="30000"/>
-                <a:satMod val="200000"/>
-              </a:schemeClr>
-            </a:gs>
-          </a:gsLst>
-          <a:path path="circle">
-            <a:fillToRect l="50000" t="50000" r="50000" b="50000"/>
-          </a:path>
-        </a:gradFill>
-      </a:bgFillStyleLst>
-    </a:fmtScheme>
-  </a:themeElements>
-</a:theme>
 </file>